--- a/12. Giới thiệu các bước làm Skill Alexa/Giới thiệu các bước làm Skill Alexa.pptx
+++ b/12. Giới thiệu các bước làm Skill Alexa/Giới thiệu các bước làm Skill Alexa.pptx
@@ -5,15 +5,17 @@
     <p:sldMasterId id="2147483648" r:id="rId1"/>
   </p:sldMasterIdLst>
   <p:notesMasterIdLst>
-    <p:notesMasterId r:id="rId8"/>
+    <p:notesMasterId r:id="rId10"/>
   </p:notesMasterIdLst>
   <p:sldIdLst>
     <p:sldId id="256" r:id="rId2"/>
     <p:sldId id="275" r:id="rId3"/>
-    <p:sldId id="273" r:id="rId4"/>
-    <p:sldId id="274" r:id="rId5"/>
-    <p:sldId id="257" r:id="rId6"/>
-    <p:sldId id="276" r:id="rId7"/>
+    <p:sldId id="277" r:id="rId4"/>
+    <p:sldId id="279" r:id="rId5"/>
+    <p:sldId id="273" r:id="rId6"/>
+    <p:sldId id="274" r:id="rId7"/>
+    <p:sldId id="257" r:id="rId8"/>
+    <p:sldId id="276" r:id="rId9"/>
   </p:sldIdLst>
   <p:sldSz cx="12192000" cy="6858000"/>
   <p:notesSz cx="6858000" cy="9144000"/>
@@ -119,6 +121,8 @@
           <p14:sldIdLst>
             <p14:sldId id="256"/>
             <p14:sldId id="275"/>
+            <p14:sldId id="277"/>
+            <p14:sldId id="279"/>
             <p14:sldId id="273"/>
             <p14:sldId id="274"/>
             <p14:sldId id="257"/>
@@ -126,6 +130,9 @@
           </p14:sldIdLst>
         </p14:section>
       </p14:sectionLst>
+    </p:ext>
+    <p:ext uri="{EFAFB233-063F-42B5-8137-9DF3F51BA10A}">
+      <p15:sldGuideLst xmlns:p15="http://schemas.microsoft.com/office/powerpoint/2012/main"/>
     </p:ext>
   </p:extLst>
 </p:presentation>
@@ -296,6 +303,144 @@
       </pc:sldChg>
     </pc:docChg>
   </pc:docChgLst>
+  <pc:docChgLst>
+    <pc:chgData name="Huong Nguyen" userId="a3438fb82b5343a2" providerId="LiveId" clId="{57ED82F1-3E65-4024-B339-CC68093445B9}"/>
+    <pc:docChg chg="undo custSel addSld delSld modSld sldOrd modSection">
+      <pc:chgData name="Huong Nguyen" userId="a3438fb82b5343a2" providerId="LiveId" clId="{57ED82F1-3E65-4024-B339-CC68093445B9}" dt="2018-07-14T10:55:31.665" v="1040" actId="20577"/>
+      <pc:docMkLst>
+        <pc:docMk/>
+      </pc:docMkLst>
+      <pc:sldChg chg="modSp">
+        <pc:chgData name="Huong Nguyen" userId="a3438fb82b5343a2" providerId="LiveId" clId="{57ED82F1-3E65-4024-B339-CC68093445B9}" dt="2018-07-14T10:55:31.665" v="1040" actId="20577"/>
+        <pc:sldMkLst>
+          <pc:docMk/>
+          <pc:sldMk cId="614567592" sldId="256"/>
+        </pc:sldMkLst>
+        <pc:spChg chg="mod">
+          <ac:chgData name="Huong Nguyen" userId="a3438fb82b5343a2" providerId="LiveId" clId="{57ED82F1-3E65-4024-B339-CC68093445B9}" dt="2018-07-14T10:55:31.665" v="1040" actId="20577"/>
+          <ac:spMkLst>
+            <pc:docMk/>
+            <pc:sldMk cId="614567592" sldId="256"/>
+            <ac:spMk id="2" creationId="{CCD08457-B5F4-46A2-8E2B-A662B98FCD46}"/>
+          </ac:spMkLst>
+        </pc:spChg>
+      </pc:sldChg>
+      <pc:sldChg chg="add del">
+        <pc:chgData name="Huong Nguyen" userId="a3438fb82b5343a2" providerId="LiveId" clId="{57ED82F1-3E65-4024-B339-CC68093445B9}" dt="2018-07-14T10:46:11.978" v="995" actId="2696"/>
+        <pc:sldMkLst>
+          <pc:docMk/>
+          <pc:sldMk cId="3939624900" sldId="273"/>
+        </pc:sldMkLst>
+      </pc:sldChg>
+      <pc:sldChg chg="add del">
+        <pc:chgData name="Huong Nguyen" userId="a3438fb82b5343a2" providerId="LiveId" clId="{57ED82F1-3E65-4024-B339-CC68093445B9}" dt="2018-07-14T10:46:11.689" v="994" actId="2696"/>
+        <pc:sldMkLst>
+          <pc:docMk/>
+          <pc:sldMk cId="338222397" sldId="274"/>
+        </pc:sldMkLst>
+      </pc:sldChg>
+      <pc:sldChg chg="modSp">
+        <pc:chgData name="Huong Nguyen" userId="a3438fb82b5343a2" providerId="LiveId" clId="{57ED82F1-3E65-4024-B339-CC68093445B9}" dt="2018-07-14T10:34:37.675" v="980" actId="403"/>
+        <pc:sldMkLst>
+          <pc:docMk/>
+          <pc:sldMk cId="3312245593" sldId="275"/>
+        </pc:sldMkLst>
+        <pc:spChg chg="mod">
+          <ac:chgData name="Huong Nguyen" userId="a3438fb82b5343a2" providerId="LiveId" clId="{57ED82F1-3E65-4024-B339-CC68093445B9}" dt="2018-07-14T10:34:37.675" v="980" actId="403"/>
+          <ac:spMkLst>
+            <pc:docMk/>
+            <pc:sldMk cId="3312245593" sldId="275"/>
+            <ac:spMk id="3" creationId="{1D9A6BBE-9160-4FFD-93CF-B84F64E7F2E2}"/>
+          </ac:spMkLst>
+        </pc:spChg>
+      </pc:sldChg>
+      <pc:sldChg chg="addSp delSp modSp add ord">
+        <pc:chgData name="Huong Nguyen" userId="a3438fb82b5343a2" providerId="LiveId" clId="{57ED82F1-3E65-4024-B339-CC68093445B9}" dt="2018-07-14T10:12:14.051" v="11"/>
+        <pc:sldMkLst>
+          <pc:docMk/>
+          <pc:sldMk cId="3905196140" sldId="277"/>
+        </pc:sldMkLst>
+        <pc:spChg chg="del">
+          <ac:chgData name="Huong Nguyen" userId="a3438fb82b5343a2" providerId="LiveId" clId="{57ED82F1-3E65-4024-B339-CC68093445B9}" dt="2018-07-14T10:08:50.084" v="1" actId="478"/>
+          <ac:spMkLst>
+            <pc:docMk/>
+            <pc:sldMk cId="3905196140" sldId="277"/>
+            <ac:spMk id="2" creationId="{4B1802E0-87BD-4B83-9252-4736CC65D488}"/>
+          </ac:spMkLst>
+        </pc:spChg>
+        <pc:spChg chg="del">
+          <ac:chgData name="Huong Nguyen" userId="a3438fb82b5343a2" providerId="LiveId" clId="{57ED82F1-3E65-4024-B339-CC68093445B9}" dt="2018-07-14T10:08:51.796" v="2" actId="478"/>
+          <ac:spMkLst>
+            <pc:docMk/>
+            <pc:sldMk cId="3905196140" sldId="277"/>
+            <ac:spMk id="3" creationId="{5ACB4103-335D-4219-9780-0614035FA14B}"/>
+          </ac:spMkLst>
+        </pc:spChg>
+        <pc:picChg chg="add del mod">
+          <ac:chgData name="Huong Nguyen" userId="a3438fb82b5343a2" providerId="LiveId" clId="{57ED82F1-3E65-4024-B339-CC68093445B9}" dt="2018-07-14T10:10:07.619" v="7" actId="478"/>
+          <ac:picMkLst>
+            <pc:docMk/>
+            <pc:sldMk cId="3905196140" sldId="277"/>
+            <ac:picMk id="4" creationId="{592B6338-3844-431F-96E2-DD41E2B97CF4}"/>
+          </ac:picMkLst>
+        </pc:picChg>
+        <pc:picChg chg="add mod">
+          <ac:chgData name="Huong Nguyen" userId="a3438fb82b5343a2" providerId="LiveId" clId="{57ED82F1-3E65-4024-B339-CC68093445B9}" dt="2018-07-14T10:10:09.219" v="8"/>
+          <ac:picMkLst>
+            <pc:docMk/>
+            <pc:sldMk cId="3905196140" sldId="277"/>
+            <ac:picMk id="6" creationId="{2150C0F4-0C32-42DC-BCFD-30ADD864AF81}"/>
+          </ac:picMkLst>
+        </pc:picChg>
+      </pc:sldChg>
+      <pc:sldChg chg="delSp modSp add del">
+        <pc:chgData name="Huong Nguyen" userId="a3438fb82b5343a2" providerId="LiveId" clId="{57ED82F1-3E65-4024-B339-CC68093445B9}" dt="2018-07-14T10:35:49.422" v="991" actId="2696"/>
+        <pc:sldMkLst>
+          <pc:docMk/>
+          <pc:sldMk cId="48434939" sldId="278"/>
+        </pc:sldMkLst>
+        <pc:spChg chg="del">
+          <ac:chgData name="Huong Nguyen" userId="a3438fb82b5343a2" providerId="LiveId" clId="{57ED82F1-3E65-4024-B339-CC68093445B9}" dt="2018-07-14T10:23:00.035" v="13" actId="478"/>
+          <ac:spMkLst>
+            <pc:docMk/>
+            <pc:sldMk cId="48434939" sldId="278"/>
+            <ac:spMk id="2" creationId="{92D98DB7-AEC6-4AE7-94DF-136676170DE8}"/>
+          </ac:spMkLst>
+        </pc:spChg>
+        <pc:spChg chg="mod">
+          <ac:chgData name="Huong Nguyen" userId="a3438fb82b5343a2" providerId="LiveId" clId="{57ED82F1-3E65-4024-B339-CC68093445B9}" dt="2018-07-14T10:34:47.086" v="981"/>
+          <ac:spMkLst>
+            <pc:docMk/>
+            <pc:sldMk cId="48434939" sldId="278"/>
+            <ac:spMk id="3" creationId="{8A49E718-65F3-44EE-A91F-700A9184C26C}"/>
+          </ac:spMkLst>
+        </pc:spChg>
+      </pc:sldChg>
+      <pc:sldChg chg="modSp add">
+        <pc:chgData name="Huong Nguyen" userId="a3438fb82b5343a2" providerId="LiveId" clId="{57ED82F1-3E65-4024-B339-CC68093445B9}" dt="2018-07-14T10:35:22.552" v="990" actId="20577"/>
+        <pc:sldMkLst>
+          <pc:docMk/>
+          <pc:sldMk cId="3222643629" sldId="279"/>
+        </pc:sldMkLst>
+        <pc:spChg chg="mod">
+          <ac:chgData name="Huong Nguyen" userId="a3438fb82b5343a2" providerId="LiveId" clId="{57ED82F1-3E65-4024-B339-CC68093445B9}" dt="2018-07-14T10:35:01.517" v="986" actId="27636"/>
+          <ac:spMkLst>
+            <pc:docMk/>
+            <pc:sldMk cId="3222643629" sldId="279"/>
+            <ac:spMk id="2" creationId="{EF3A2906-3154-4948-8E27-CBB7B7E99AA8}"/>
+          </ac:spMkLst>
+        </pc:spChg>
+        <pc:spChg chg="mod">
+          <ac:chgData name="Huong Nguyen" userId="a3438fb82b5343a2" providerId="LiveId" clId="{57ED82F1-3E65-4024-B339-CC68093445B9}" dt="2018-07-14T10:35:22.552" v="990" actId="20577"/>
+          <ac:spMkLst>
+            <pc:docMk/>
+            <pc:sldMk cId="3222643629" sldId="279"/>
+            <ac:spMk id="3" creationId="{F04D9709-1EE1-48DE-ADB3-4242AAB17598}"/>
+          </ac:spMkLst>
+        </pc:spChg>
+      </pc:sldChg>
+    </pc:docChg>
+  </pc:docChgLst>
 </pc:chgInfo>
 </file>
 
@@ -381,7 +526,7 @@
           <a:p>
             <a:fld id="{B0337BCB-0779-4CC7-9F8E-AC1DCBD89053}" type="datetimeFigureOut">
               <a:rPr lang="en-US" smtClean="0"/>
-              <a:t>4/22/2018</a:t>
+              <a:t>07/15/2018</a:t>
             </a:fld>
             <a:endParaRPr lang="en-US"/>
           </a:p>
@@ -693,324 +838,7 @@
           <a:bodyPr/>
           <a:lstStyle/>
           <a:p>
-            <a:r>
-              <a:rPr lang="en-US" dirty="0"/>
-              <a:t>Sau </a:t>
-            </a:r>
-            <a:r>
-              <a:rPr lang="en-US" dirty="0" err="1"/>
-              <a:t>khi</a:t>
-            </a:r>
-            <a:r>
-              <a:rPr lang="en-US" dirty="0"/>
-              <a:t> ng</a:t>
-            </a:r>
-            <a:r>
-              <a:rPr lang="vi-VN" dirty="0"/>
-              <a:t>ư</a:t>
-            </a:r>
-            <a:r>
-              <a:rPr lang="en-US" dirty="0" err="1"/>
-              <a:t>ời</a:t>
-            </a:r>
-            <a:r>
-              <a:rPr lang="en-US" dirty="0"/>
-              <a:t> </a:t>
-            </a:r>
-            <a:r>
-              <a:rPr lang="en-US" dirty="0" err="1"/>
-              <a:t>dùng</a:t>
-            </a:r>
-            <a:r>
-              <a:rPr lang="en-US" dirty="0"/>
-              <a:t> </a:t>
-            </a:r>
-            <a:r>
-              <a:rPr lang="en-US" dirty="0" err="1"/>
-              <a:t>ra</a:t>
-            </a:r>
-            <a:r>
-              <a:rPr lang="en-US" dirty="0"/>
-              <a:t> </a:t>
-            </a:r>
-            <a:r>
-              <a:rPr lang="en-US" dirty="0" err="1"/>
-              <a:t>lệnh</a:t>
-            </a:r>
-            <a:r>
-              <a:rPr lang="en-US" dirty="0"/>
-              <a:t>, </a:t>
-            </a:r>
-            <a:r>
-              <a:rPr lang="en-US" dirty="0" err="1"/>
-              <a:t>luồng</a:t>
-            </a:r>
-            <a:r>
-              <a:rPr lang="en-US" dirty="0"/>
-              <a:t> </a:t>
-            </a:r>
-            <a:r>
-              <a:rPr lang="en-US" dirty="0" err="1"/>
-              <a:t>âm</a:t>
-            </a:r>
-            <a:r>
-              <a:rPr lang="en-US" dirty="0"/>
-              <a:t> </a:t>
-            </a:r>
-            <a:r>
-              <a:rPr lang="en-US" dirty="0" err="1"/>
-              <a:t>thanh</a:t>
-            </a:r>
-            <a:r>
-              <a:rPr lang="en-US" dirty="0"/>
-              <a:t> </a:t>
-            </a:r>
-            <a:r>
-              <a:rPr lang="en-US" dirty="0" err="1"/>
-              <a:t>từ</a:t>
-            </a:r>
-            <a:r>
-              <a:rPr lang="en-US" dirty="0"/>
-              <a:t> </a:t>
-            </a:r>
-            <a:r>
-              <a:rPr lang="en-US" dirty="0" err="1"/>
-              <a:t>thiết</a:t>
-            </a:r>
-            <a:r>
-              <a:rPr lang="en-US" dirty="0"/>
-              <a:t> </a:t>
-            </a:r>
-            <a:r>
-              <a:rPr lang="en-US" dirty="0" err="1"/>
-              <a:t>bị</a:t>
-            </a:r>
-            <a:r>
-              <a:rPr lang="en-US" dirty="0"/>
-              <a:t> đ</a:t>
-            </a:r>
-            <a:r>
-              <a:rPr lang="vi-VN" dirty="0"/>
-              <a:t>ư</a:t>
-            </a:r>
-            <a:r>
-              <a:rPr lang="en-US" dirty="0" err="1"/>
-              <a:t>ợc</a:t>
-            </a:r>
-            <a:r>
-              <a:rPr lang="en-US" dirty="0"/>
-              <a:t> </a:t>
-            </a:r>
-            <a:r>
-              <a:rPr lang="en-US" dirty="0" err="1"/>
-              <a:t>đẩy</a:t>
-            </a:r>
-            <a:r>
-              <a:rPr lang="en-US" dirty="0"/>
-              <a:t> </a:t>
-            </a:r>
-            <a:r>
-              <a:rPr lang="en-US" dirty="0" err="1"/>
-              <a:t>lên</a:t>
-            </a:r>
-            <a:r>
-              <a:rPr lang="en-US" dirty="0"/>
-              <a:t> </a:t>
-            </a:r>
-            <a:r>
-              <a:rPr lang="en-US" dirty="0" err="1"/>
-              <a:t>alexa</a:t>
-            </a:r>
-            <a:r>
-              <a:rPr lang="en-US" dirty="0"/>
-              <a:t> cloud services</a:t>
-            </a:r>
-          </a:p>
-          <a:p>
-            <a:endParaRPr lang="en-US" dirty="0"/>
-          </a:p>
-          <a:p>
-            <a:pPr marL="0" marR="0" lvl="0" indent="0" algn="l" defTabSz="914400" rtl="0" eaLnBrk="1" fontAlgn="auto" latinLnBrk="0" hangingPunct="1">
-              <a:lnSpc>
-                <a:spcPct val="100000"/>
-              </a:lnSpc>
-              <a:spcBef>
-                <a:spcPts val="0"/>
-              </a:spcBef>
-              <a:spcAft>
-                <a:spcPts val="0"/>
-              </a:spcAft>
-              <a:buClrTx/>
-              <a:buSzTx/>
-              <a:buFontTx/>
-              <a:buNone/>
-              <a:tabLst/>
-              <a:defRPr/>
-            </a:pPr>
-            <a:r>
-              <a:rPr lang="en-US" sz="1200" dirty="0"/>
-              <a:t>Intent </a:t>
-            </a:r>
-            <a:r>
-              <a:rPr lang="en-US" sz="1200" dirty="0" err="1"/>
-              <a:t>và</a:t>
-            </a:r>
-            <a:r>
-              <a:rPr lang="en-US" sz="1200" dirty="0"/>
-              <a:t> Entities đ</a:t>
-            </a:r>
-            <a:r>
-              <a:rPr lang="vi-VN" sz="1200" dirty="0"/>
-              <a:t>ư</a:t>
-            </a:r>
-            <a:r>
-              <a:rPr lang="en-US" sz="1200" dirty="0" err="1"/>
-              <a:t>ợc</a:t>
-            </a:r>
-            <a:r>
-              <a:rPr lang="en-US" sz="1200" dirty="0"/>
-              <a:t> </a:t>
-            </a:r>
-            <a:r>
-              <a:rPr lang="en-US" sz="1200" dirty="0" err="1"/>
-              <a:t>tách</a:t>
-            </a:r>
-            <a:r>
-              <a:rPr lang="en-US" sz="1200" dirty="0"/>
-              <a:t> </a:t>
-            </a:r>
-            <a:r>
-              <a:rPr lang="en-US" sz="1200" dirty="0" err="1"/>
-              <a:t>từ</a:t>
-            </a:r>
-            <a:r>
-              <a:rPr lang="en-US" sz="1200" dirty="0"/>
-              <a:t> </a:t>
-            </a:r>
-            <a:r>
-              <a:rPr lang="en-US" sz="1200" dirty="0" err="1"/>
-              <a:t>câu</a:t>
-            </a:r>
-            <a:r>
-              <a:rPr lang="en-US" sz="1200" dirty="0"/>
-              <a:t> </a:t>
-            </a:r>
-            <a:r>
-              <a:rPr lang="en-US" sz="1200" dirty="0" err="1"/>
-              <a:t>nói</a:t>
-            </a:r>
-            <a:r>
-              <a:rPr lang="en-US" sz="1200" dirty="0"/>
-              <a:t> </a:t>
-            </a:r>
-            <a:r>
-              <a:rPr lang="en-US" sz="1200" dirty="0" err="1"/>
-              <a:t>của</a:t>
-            </a:r>
-            <a:r>
-              <a:rPr lang="en-US" sz="1200" dirty="0"/>
-              <a:t> ng</a:t>
-            </a:r>
-            <a:r>
-              <a:rPr lang="vi-VN" sz="1200" dirty="0"/>
-              <a:t>ư</a:t>
-            </a:r>
-            <a:r>
-              <a:rPr lang="en-US" sz="1200" dirty="0" err="1"/>
-              <a:t>ời</a:t>
-            </a:r>
-            <a:r>
-              <a:rPr lang="en-US" sz="1200" dirty="0"/>
-              <a:t> </a:t>
-            </a:r>
-            <a:r>
-              <a:rPr lang="en-US" sz="1200" dirty="0" err="1"/>
-              <a:t>dùng</a:t>
-            </a:r>
-            <a:r>
-              <a:rPr lang="en-US" sz="1200" dirty="0"/>
-              <a:t> đ</a:t>
-            </a:r>
-            <a:r>
-              <a:rPr lang="vi-VN" sz="1200" dirty="0"/>
-              <a:t>ư</a:t>
-            </a:r>
-            <a:r>
-              <a:rPr lang="en-US" sz="1200" dirty="0" err="1"/>
-              <a:t>ợc</a:t>
-            </a:r>
-            <a:r>
-              <a:rPr lang="en-US" sz="1200" dirty="0"/>
-              <a:t> </a:t>
-            </a:r>
-            <a:r>
-              <a:rPr lang="en-US" sz="1200" dirty="0" err="1"/>
-              <a:t>gửi</a:t>
-            </a:r>
-            <a:r>
-              <a:rPr lang="en-US" sz="1200" dirty="0"/>
-              <a:t> </a:t>
-            </a:r>
-            <a:r>
-              <a:rPr lang="en-US" sz="1200" dirty="0" err="1"/>
-              <a:t>tới</a:t>
-            </a:r>
-            <a:r>
-              <a:rPr lang="en-US" sz="1200" dirty="0"/>
-              <a:t> </a:t>
-            </a:r>
-            <a:r>
-              <a:rPr lang="en-US" sz="1200" dirty="0" err="1"/>
-              <a:t>ứng</a:t>
-            </a:r>
-            <a:r>
-              <a:rPr lang="en-US" sz="1200" dirty="0"/>
-              <a:t> </a:t>
-            </a:r>
-            <a:r>
-              <a:rPr lang="en-US" sz="1200" dirty="0" err="1"/>
-              <a:t>dụng</a:t>
-            </a:r>
-            <a:r>
-              <a:rPr lang="en-US" sz="1200" dirty="0"/>
-              <a:t> </a:t>
-            </a:r>
-            <a:r>
-              <a:rPr lang="en-US" sz="1200" dirty="0" err="1"/>
-              <a:t>của</a:t>
-            </a:r>
-            <a:r>
-              <a:rPr lang="en-US" sz="1200" dirty="0"/>
-              <a:t> ng</a:t>
-            </a:r>
-            <a:r>
-              <a:rPr lang="vi-VN" sz="1200" dirty="0"/>
-              <a:t>ư</a:t>
-            </a:r>
-            <a:r>
-              <a:rPr lang="en-US" sz="1200" dirty="0" err="1"/>
-              <a:t>ời</a:t>
-            </a:r>
-            <a:r>
-              <a:rPr lang="en-US" sz="1200" dirty="0"/>
-              <a:t> </a:t>
-            </a:r>
-            <a:r>
-              <a:rPr lang="en-US" sz="1200" dirty="0" err="1"/>
-              <a:t>phát</a:t>
-            </a:r>
-            <a:r>
-              <a:rPr lang="en-US" sz="1200" dirty="0"/>
-              <a:t> </a:t>
-            </a:r>
-            <a:r>
-              <a:rPr lang="en-US" sz="1200" dirty="0" err="1"/>
-              <a:t>triển</a:t>
-            </a:r>
-            <a:endParaRPr lang="en-US" sz="1200" dirty="0"/>
-          </a:p>
-          <a:p>
-            <a:endParaRPr lang="en-US" dirty="0"/>
+            <a:endParaRPr lang="en-US"/>
           </a:p>
         </p:txBody>
       </p:sp>
@@ -1031,7 +859,7 @@
           <a:p>
             <a:fld id="{BFFFCAFC-4029-45FB-B50F-C9F952436EB4}" type="slidenum">
               <a:rPr lang="en-US" smtClean="0"/>
-              <a:t>3</a:t>
+              <a:t>1</a:t>
             </a:fld>
             <a:endParaRPr lang="en-US"/>
           </a:p>
@@ -1040,7 +868,7 @@
     </p:spTree>
     <p:extLst>
       <p:ext uri="{BB962C8B-B14F-4D97-AF65-F5344CB8AC3E}">
-        <p14:creationId xmlns:p14="http://schemas.microsoft.com/office/powerpoint/2010/main" val="3486105005"/>
+        <p14:creationId xmlns:p14="http://schemas.microsoft.com/office/powerpoint/2010/main" val="191005586"/>
       </p:ext>
     </p:extLst>
   </p:cSld>
@@ -1115,7 +943,7 @@
           <a:p>
             <a:fld id="{BFFFCAFC-4029-45FB-B50F-C9F952436EB4}" type="slidenum">
               <a:rPr lang="en-US" smtClean="0"/>
-              <a:t>4</a:t>
+              <a:t>3</a:t>
             </a:fld>
             <a:endParaRPr lang="en-US"/>
           </a:p>
@@ -1124,7 +952,7 @@
     </p:spTree>
     <p:extLst>
       <p:ext uri="{BB962C8B-B14F-4D97-AF65-F5344CB8AC3E}">
-        <p14:creationId xmlns:p14="http://schemas.microsoft.com/office/powerpoint/2010/main" val="1776946511"/>
+        <p14:creationId xmlns:p14="http://schemas.microsoft.com/office/powerpoint/2010/main" val="1993745206"/>
       </p:ext>
     </p:extLst>
   </p:cSld>
@@ -1199,7 +1027,576 @@
           <a:p>
             <a:fld id="{BFFFCAFC-4029-45FB-B50F-C9F952436EB4}" type="slidenum">
               <a:rPr lang="en-US" smtClean="0"/>
+              <a:t>4</a:t>
+            </a:fld>
+            <a:endParaRPr lang="en-US"/>
+          </a:p>
+        </p:txBody>
+      </p:sp>
+    </p:spTree>
+    <p:extLst>
+      <p:ext uri="{BB962C8B-B14F-4D97-AF65-F5344CB8AC3E}">
+        <p14:creationId xmlns:p14="http://schemas.microsoft.com/office/powerpoint/2010/main" val="1954318392"/>
+      </p:ext>
+    </p:extLst>
+  </p:cSld>
+  <p:clrMapOvr>
+    <a:masterClrMapping/>
+  </p:clrMapOvr>
+</p:notes>
+</file>
+
+<file path=ppt/notesSlides/notesSlide4.xml><?xml version="1.0" encoding="utf-8"?>
+<p:notes xmlns:a="http://schemas.openxmlformats.org/drawingml/2006/main" xmlns:r="http://schemas.openxmlformats.org/officeDocument/2006/relationships" xmlns:p="http://schemas.openxmlformats.org/presentationml/2006/main">
+  <p:cSld>
+    <p:spTree>
+      <p:nvGrpSpPr>
+        <p:cNvPr id="1" name=""/>
+        <p:cNvGrpSpPr/>
+        <p:nvPr/>
+      </p:nvGrpSpPr>
+      <p:grpSpPr>
+        <a:xfrm>
+          <a:off x="0" y="0"/>
+          <a:ext cx="0" cy="0"/>
+          <a:chOff x="0" y="0"/>
+          <a:chExt cx="0" cy="0"/>
+        </a:xfrm>
+      </p:grpSpPr>
+      <p:sp>
+        <p:nvSpPr>
+          <p:cNvPr id="2" name="Chỗ dành sẵn cho Hình ảnh của Bản chiếu 1"/>
+          <p:cNvSpPr>
+            <a:spLocks noGrp="1" noRot="1" noChangeAspect="1"/>
+          </p:cNvSpPr>
+          <p:nvPr>
+            <p:ph type="sldImg"/>
+          </p:nvPr>
+        </p:nvSpPr>
+        <p:spPr/>
+      </p:sp>
+      <p:sp>
+        <p:nvSpPr>
+          <p:cNvPr id="3" name="Chỗ dành sẵn cho Ghi chú 2"/>
+          <p:cNvSpPr>
+            <a:spLocks noGrp="1"/>
+          </p:cNvSpPr>
+          <p:nvPr>
+            <p:ph type="body" idx="1"/>
+          </p:nvPr>
+        </p:nvSpPr>
+        <p:spPr/>
+        <p:txBody>
+          <a:bodyPr/>
+          <a:lstStyle/>
+          <a:p>
+            <a:r>
+              <a:rPr lang="en-US" dirty="0"/>
+              <a:t>Sau </a:t>
+            </a:r>
+            <a:r>
+              <a:rPr lang="en-US" dirty="0" err="1"/>
+              <a:t>khi</a:t>
+            </a:r>
+            <a:r>
+              <a:rPr lang="en-US" dirty="0"/>
+              <a:t> ng</a:t>
+            </a:r>
+            <a:r>
+              <a:rPr lang="vi-VN" dirty="0"/>
+              <a:t>ư</a:t>
+            </a:r>
+            <a:r>
+              <a:rPr lang="en-US" dirty="0" err="1"/>
+              <a:t>ời</a:t>
+            </a:r>
+            <a:r>
+              <a:rPr lang="en-US" dirty="0"/>
+              <a:t> </a:t>
+            </a:r>
+            <a:r>
+              <a:rPr lang="en-US" dirty="0" err="1"/>
+              <a:t>dùng</a:t>
+            </a:r>
+            <a:r>
+              <a:rPr lang="en-US" dirty="0"/>
+              <a:t> </a:t>
+            </a:r>
+            <a:r>
+              <a:rPr lang="en-US" dirty="0" err="1"/>
+              <a:t>ra</a:t>
+            </a:r>
+            <a:r>
+              <a:rPr lang="en-US" dirty="0"/>
+              <a:t> </a:t>
+            </a:r>
+            <a:r>
+              <a:rPr lang="en-US" dirty="0" err="1"/>
+              <a:t>lệnh</a:t>
+            </a:r>
+            <a:r>
+              <a:rPr lang="en-US" dirty="0"/>
+              <a:t>, </a:t>
+            </a:r>
+            <a:r>
+              <a:rPr lang="en-US" dirty="0" err="1"/>
+              <a:t>luồng</a:t>
+            </a:r>
+            <a:r>
+              <a:rPr lang="en-US" dirty="0"/>
+              <a:t> </a:t>
+            </a:r>
+            <a:r>
+              <a:rPr lang="en-US" dirty="0" err="1"/>
+              <a:t>âm</a:t>
+            </a:r>
+            <a:r>
+              <a:rPr lang="en-US" dirty="0"/>
+              <a:t> </a:t>
+            </a:r>
+            <a:r>
+              <a:rPr lang="en-US" dirty="0" err="1"/>
+              <a:t>thanh</a:t>
+            </a:r>
+            <a:r>
+              <a:rPr lang="en-US" dirty="0"/>
+              <a:t> </a:t>
+            </a:r>
+            <a:r>
+              <a:rPr lang="en-US" dirty="0" err="1"/>
+              <a:t>từ</a:t>
+            </a:r>
+            <a:r>
+              <a:rPr lang="en-US" dirty="0"/>
+              <a:t> </a:t>
+            </a:r>
+            <a:r>
+              <a:rPr lang="en-US" dirty="0" err="1"/>
+              <a:t>thiết</a:t>
+            </a:r>
+            <a:r>
+              <a:rPr lang="en-US" dirty="0"/>
+              <a:t> </a:t>
+            </a:r>
+            <a:r>
+              <a:rPr lang="en-US" dirty="0" err="1"/>
+              <a:t>bị</a:t>
+            </a:r>
+            <a:r>
+              <a:rPr lang="en-US" dirty="0"/>
+              <a:t> đ</a:t>
+            </a:r>
+            <a:r>
+              <a:rPr lang="vi-VN" dirty="0"/>
+              <a:t>ư</a:t>
+            </a:r>
+            <a:r>
+              <a:rPr lang="en-US" dirty="0" err="1"/>
+              <a:t>ợc</a:t>
+            </a:r>
+            <a:r>
+              <a:rPr lang="en-US" dirty="0"/>
+              <a:t> </a:t>
+            </a:r>
+            <a:r>
+              <a:rPr lang="en-US" dirty="0" err="1"/>
+              <a:t>đẩy</a:t>
+            </a:r>
+            <a:r>
+              <a:rPr lang="en-US" dirty="0"/>
+              <a:t> </a:t>
+            </a:r>
+            <a:r>
+              <a:rPr lang="en-US" dirty="0" err="1"/>
+              <a:t>lên</a:t>
+            </a:r>
+            <a:r>
+              <a:rPr lang="en-US" dirty="0"/>
+              <a:t> </a:t>
+            </a:r>
+            <a:r>
+              <a:rPr lang="en-US" dirty="0" err="1"/>
+              <a:t>alexa</a:t>
+            </a:r>
+            <a:r>
+              <a:rPr lang="en-US" dirty="0"/>
+              <a:t> cloud services</a:t>
+            </a:r>
+          </a:p>
+          <a:p>
+            <a:endParaRPr lang="en-US" dirty="0"/>
+          </a:p>
+          <a:p>
+            <a:pPr marL="0" marR="0" lvl="0" indent="0" algn="l" defTabSz="914400" rtl="0" eaLnBrk="1" fontAlgn="auto" latinLnBrk="0" hangingPunct="1">
+              <a:lnSpc>
+                <a:spcPct val="100000"/>
+              </a:lnSpc>
+              <a:spcBef>
+                <a:spcPts val="0"/>
+              </a:spcBef>
+              <a:spcAft>
+                <a:spcPts val="0"/>
+              </a:spcAft>
+              <a:buClrTx/>
+              <a:buSzTx/>
+              <a:buFontTx/>
+              <a:buNone/>
+              <a:tabLst/>
+              <a:defRPr/>
+            </a:pPr>
+            <a:r>
+              <a:rPr lang="en-US" sz="1200" dirty="0"/>
+              <a:t>Intent </a:t>
+            </a:r>
+            <a:r>
+              <a:rPr lang="en-US" sz="1200" dirty="0" err="1"/>
+              <a:t>và</a:t>
+            </a:r>
+            <a:r>
+              <a:rPr lang="en-US" sz="1200" dirty="0"/>
+              <a:t> Entities đ</a:t>
+            </a:r>
+            <a:r>
+              <a:rPr lang="vi-VN" sz="1200" dirty="0"/>
+              <a:t>ư</a:t>
+            </a:r>
+            <a:r>
+              <a:rPr lang="en-US" sz="1200" dirty="0" err="1"/>
+              <a:t>ợc</a:t>
+            </a:r>
+            <a:r>
+              <a:rPr lang="en-US" sz="1200" dirty="0"/>
+              <a:t> </a:t>
+            </a:r>
+            <a:r>
+              <a:rPr lang="en-US" sz="1200" dirty="0" err="1"/>
+              <a:t>tách</a:t>
+            </a:r>
+            <a:r>
+              <a:rPr lang="en-US" sz="1200" dirty="0"/>
+              <a:t> </a:t>
+            </a:r>
+            <a:r>
+              <a:rPr lang="en-US" sz="1200" dirty="0" err="1"/>
+              <a:t>từ</a:t>
+            </a:r>
+            <a:r>
+              <a:rPr lang="en-US" sz="1200" dirty="0"/>
+              <a:t> </a:t>
+            </a:r>
+            <a:r>
+              <a:rPr lang="en-US" sz="1200" dirty="0" err="1"/>
+              <a:t>câu</a:t>
+            </a:r>
+            <a:r>
+              <a:rPr lang="en-US" sz="1200" dirty="0"/>
+              <a:t> </a:t>
+            </a:r>
+            <a:r>
+              <a:rPr lang="en-US" sz="1200" dirty="0" err="1"/>
+              <a:t>nói</a:t>
+            </a:r>
+            <a:r>
+              <a:rPr lang="en-US" sz="1200" dirty="0"/>
+              <a:t> </a:t>
+            </a:r>
+            <a:r>
+              <a:rPr lang="en-US" sz="1200" dirty="0" err="1"/>
+              <a:t>của</a:t>
+            </a:r>
+            <a:r>
+              <a:rPr lang="en-US" sz="1200" dirty="0"/>
+              <a:t> ng</a:t>
+            </a:r>
+            <a:r>
+              <a:rPr lang="vi-VN" sz="1200" dirty="0"/>
+              <a:t>ư</a:t>
+            </a:r>
+            <a:r>
+              <a:rPr lang="en-US" sz="1200" dirty="0" err="1"/>
+              <a:t>ời</a:t>
+            </a:r>
+            <a:r>
+              <a:rPr lang="en-US" sz="1200" dirty="0"/>
+              <a:t> </a:t>
+            </a:r>
+            <a:r>
+              <a:rPr lang="en-US" sz="1200" dirty="0" err="1"/>
+              <a:t>dùng</a:t>
+            </a:r>
+            <a:r>
+              <a:rPr lang="en-US" sz="1200" dirty="0"/>
+              <a:t> đ</a:t>
+            </a:r>
+            <a:r>
+              <a:rPr lang="vi-VN" sz="1200" dirty="0"/>
+              <a:t>ư</a:t>
+            </a:r>
+            <a:r>
+              <a:rPr lang="en-US" sz="1200" dirty="0" err="1"/>
+              <a:t>ợc</a:t>
+            </a:r>
+            <a:r>
+              <a:rPr lang="en-US" sz="1200" dirty="0"/>
+              <a:t> </a:t>
+            </a:r>
+            <a:r>
+              <a:rPr lang="en-US" sz="1200" dirty="0" err="1"/>
+              <a:t>gửi</a:t>
+            </a:r>
+            <a:r>
+              <a:rPr lang="en-US" sz="1200" dirty="0"/>
+              <a:t> </a:t>
+            </a:r>
+            <a:r>
+              <a:rPr lang="en-US" sz="1200" dirty="0" err="1"/>
+              <a:t>tới</a:t>
+            </a:r>
+            <a:r>
+              <a:rPr lang="en-US" sz="1200" dirty="0"/>
+              <a:t> </a:t>
+            </a:r>
+            <a:r>
+              <a:rPr lang="en-US" sz="1200" dirty="0" err="1"/>
+              <a:t>ứng</a:t>
+            </a:r>
+            <a:r>
+              <a:rPr lang="en-US" sz="1200" dirty="0"/>
+              <a:t> </a:t>
+            </a:r>
+            <a:r>
+              <a:rPr lang="en-US" sz="1200" dirty="0" err="1"/>
+              <a:t>dụng</a:t>
+            </a:r>
+            <a:r>
+              <a:rPr lang="en-US" sz="1200" dirty="0"/>
+              <a:t> </a:t>
+            </a:r>
+            <a:r>
+              <a:rPr lang="en-US" sz="1200" dirty="0" err="1"/>
+              <a:t>của</a:t>
+            </a:r>
+            <a:r>
+              <a:rPr lang="en-US" sz="1200" dirty="0"/>
+              <a:t> ng</a:t>
+            </a:r>
+            <a:r>
+              <a:rPr lang="vi-VN" sz="1200" dirty="0"/>
+              <a:t>ư</a:t>
+            </a:r>
+            <a:r>
+              <a:rPr lang="en-US" sz="1200" dirty="0" err="1"/>
+              <a:t>ời</a:t>
+            </a:r>
+            <a:r>
+              <a:rPr lang="en-US" sz="1200" dirty="0"/>
+              <a:t> </a:t>
+            </a:r>
+            <a:r>
+              <a:rPr lang="en-US" sz="1200" dirty="0" err="1"/>
+              <a:t>phát</a:t>
+            </a:r>
+            <a:r>
+              <a:rPr lang="en-US" sz="1200" dirty="0"/>
+              <a:t> </a:t>
+            </a:r>
+            <a:r>
+              <a:rPr lang="en-US" sz="1200" dirty="0" err="1"/>
+              <a:t>triển</a:t>
+            </a:r>
+            <a:endParaRPr lang="en-US" sz="1200" dirty="0"/>
+          </a:p>
+          <a:p>
+            <a:endParaRPr lang="en-US" dirty="0"/>
+          </a:p>
+        </p:txBody>
+      </p:sp>
+      <p:sp>
+        <p:nvSpPr>
+          <p:cNvPr id="4" name="Chỗ dành sẵn cho Số hiệu Bản chiếu 3"/>
+          <p:cNvSpPr>
+            <a:spLocks noGrp="1"/>
+          </p:cNvSpPr>
+          <p:nvPr>
+            <p:ph type="sldNum" sz="quarter" idx="10"/>
+          </p:nvPr>
+        </p:nvSpPr>
+        <p:spPr/>
+        <p:txBody>
+          <a:bodyPr/>
+          <a:lstStyle/>
+          <a:p>
+            <a:fld id="{BFFFCAFC-4029-45FB-B50F-C9F952436EB4}" type="slidenum">
+              <a:rPr lang="en-US" smtClean="0"/>
               <a:t>5</a:t>
+            </a:fld>
+            <a:endParaRPr lang="en-US"/>
+          </a:p>
+        </p:txBody>
+      </p:sp>
+    </p:spTree>
+    <p:extLst>
+      <p:ext uri="{BB962C8B-B14F-4D97-AF65-F5344CB8AC3E}">
+        <p14:creationId xmlns:p14="http://schemas.microsoft.com/office/powerpoint/2010/main" val="3486105005"/>
+      </p:ext>
+    </p:extLst>
+  </p:cSld>
+  <p:clrMapOvr>
+    <a:masterClrMapping/>
+  </p:clrMapOvr>
+</p:notes>
+</file>
+
+<file path=ppt/notesSlides/notesSlide5.xml><?xml version="1.0" encoding="utf-8"?>
+<p:notes xmlns:a="http://schemas.openxmlformats.org/drawingml/2006/main" xmlns:r="http://schemas.openxmlformats.org/officeDocument/2006/relationships" xmlns:p="http://schemas.openxmlformats.org/presentationml/2006/main">
+  <p:cSld>
+    <p:spTree>
+      <p:nvGrpSpPr>
+        <p:cNvPr id="1" name=""/>
+        <p:cNvGrpSpPr/>
+        <p:nvPr/>
+      </p:nvGrpSpPr>
+      <p:grpSpPr>
+        <a:xfrm>
+          <a:off x="0" y="0"/>
+          <a:ext cx="0" cy="0"/>
+          <a:chOff x="0" y="0"/>
+          <a:chExt cx="0" cy="0"/>
+        </a:xfrm>
+      </p:grpSpPr>
+      <p:sp>
+        <p:nvSpPr>
+          <p:cNvPr id="2" name="Chỗ dành sẵn cho Hình ảnh của Bản chiếu 1"/>
+          <p:cNvSpPr>
+            <a:spLocks noGrp="1" noRot="1" noChangeAspect="1"/>
+          </p:cNvSpPr>
+          <p:nvPr>
+            <p:ph type="sldImg"/>
+          </p:nvPr>
+        </p:nvSpPr>
+        <p:spPr/>
+      </p:sp>
+      <p:sp>
+        <p:nvSpPr>
+          <p:cNvPr id="3" name="Chỗ dành sẵn cho Ghi chú 2"/>
+          <p:cNvSpPr>
+            <a:spLocks noGrp="1"/>
+          </p:cNvSpPr>
+          <p:nvPr>
+            <p:ph type="body" idx="1"/>
+          </p:nvPr>
+        </p:nvSpPr>
+        <p:spPr/>
+        <p:txBody>
+          <a:bodyPr/>
+          <a:lstStyle/>
+          <a:p>
+            <a:endParaRPr lang="en-US" dirty="0"/>
+          </a:p>
+        </p:txBody>
+      </p:sp>
+      <p:sp>
+        <p:nvSpPr>
+          <p:cNvPr id="4" name="Chỗ dành sẵn cho Số hiệu Bản chiếu 3"/>
+          <p:cNvSpPr>
+            <a:spLocks noGrp="1"/>
+          </p:cNvSpPr>
+          <p:nvPr>
+            <p:ph type="sldNum" sz="quarter" idx="10"/>
+          </p:nvPr>
+        </p:nvSpPr>
+        <p:spPr/>
+        <p:txBody>
+          <a:bodyPr/>
+          <a:lstStyle/>
+          <a:p>
+            <a:fld id="{BFFFCAFC-4029-45FB-B50F-C9F952436EB4}" type="slidenum">
+              <a:rPr lang="en-US" smtClean="0"/>
+              <a:t>6</a:t>
+            </a:fld>
+            <a:endParaRPr lang="en-US"/>
+          </a:p>
+        </p:txBody>
+      </p:sp>
+    </p:spTree>
+    <p:extLst>
+      <p:ext uri="{BB962C8B-B14F-4D97-AF65-F5344CB8AC3E}">
+        <p14:creationId xmlns:p14="http://schemas.microsoft.com/office/powerpoint/2010/main" val="1776946511"/>
+      </p:ext>
+    </p:extLst>
+  </p:cSld>
+  <p:clrMapOvr>
+    <a:masterClrMapping/>
+  </p:clrMapOvr>
+</p:notes>
+</file>
+
+<file path=ppt/notesSlides/notesSlide6.xml><?xml version="1.0" encoding="utf-8"?>
+<p:notes xmlns:a="http://schemas.openxmlformats.org/drawingml/2006/main" xmlns:r="http://schemas.openxmlformats.org/officeDocument/2006/relationships" xmlns:p="http://schemas.openxmlformats.org/presentationml/2006/main">
+  <p:cSld>
+    <p:spTree>
+      <p:nvGrpSpPr>
+        <p:cNvPr id="1" name=""/>
+        <p:cNvGrpSpPr/>
+        <p:nvPr/>
+      </p:nvGrpSpPr>
+      <p:grpSpPr>
+        <a:xfrm>
+          <a:off x="0" y="0"/>
+          <a:ext cx="0" cy="0"/>
+          <a:chOff x="0" y="0"/>
+          <a:chExt cx="0" cy="0"/>
+        </a:xfrm>
+      </p:grpSpPr>
+      <p:sp>
+        <p:nvSpPr>
+          <p:cNvPr id="2" name="Chỗ dành sẵn cho Hình ảnh của Bản chiếu 1"/>
+          <p:cNvSpPr>
+            <a:spLocks noGrp="1" noRot="1" noChangeAspect="1"/>
+          </p:cNvSpPr>
+          <p:nvPr>
+            <p:ph type="sldImg"/>
+          </p:nvPr>
+        </p:nvSpPr>
+        <p:spPr/>
+      </p:sp>
+      <p:sp>
+        <p:nvSpPr>
+          <p:cNvPr id="3" name="Chỗ dành sẵn cho Ghi chú 2"/>
+          <p:cNvSpPr>
+            <a:spLocks noGrp="1"/>
+          </p:cNvSpPr>
+          <p:nvPr>
+            <p:ph type="body" idx="1"/>
+          </p:nvPr>
+        </p:nvSpPr>
+        <p:spPr/>
+        <p:txBody>
+          <a:bodyPr/>
+          <a:lstStyle/>
+          <a:p>
+            <a:endParaRPr lang="en-US" dirty="0"/>
+          </a:p>
+        </p:txBody>
+      </p:sp>
+      <p:sp>
+        <p:nvSpPr>
+          <p:cNvPr id="4" name="Chỗ dành sẵn cho Số hiệu Bản chiếu 3"/>
+          <p:cNvSpPr>
+            <a:spLocks noGrp="1"/>
+          </p:cNvSpPr>
+          <p:nvPr>
+            <p:ph type="sldNum" sz="quarter" idx="10"/>
+          </p:nvPr>
+        </p:nvSpPr>
+        <p:spPr/>
+        <p:txBody>
+          <a:bodyPr/>
+          <a:lstStyle/>
+          <a:p>
+            <a:fld id="{BFFFCAFC-4029-45FB-B50F-C9F952436EB4}" type="slidenum">
+              <a:rPr lang="en-US" smtClean="0"/>
+              <a:t>7</a:t>
             </a:fld>
             <a:endParaRPr lang="en-US"/>
           </a:p>
@@ -1209,6 +1606,90 @@
     <p:extLst>
       <p:ext uri="{BB962C8B-B14F-4D97-AF65-F5344CB8AC3E}">
         <p14:creationId xmlns:p14="http://schemas.microsoft.com/office/powerpoint/2010/main" val="1989035635"/>
+      </p:ext>
+    </p:extLst>
+  </p:cSld>
+  <p:clrMapOvr>
+    <a:masterClrMapping/>
+  </p:clrMapOvr>
+</p:notes>
+</file>
+
+<file path=ppt/notesSlides/notesSlide7.xml><?xml version="1.0" encoding="utf-8"?>
+<p:notes xmlns:a="http://schemas.openxmlformats.org/drawingml/2006/main" xmlns:r="http://schemas.openxmlformats.org/officeDocument/2006/relationships" xmlns:p="http://schemas.openxmlformats.org/presentationml/2006/main">
+  <p:cSld>
+    <p:spTree>
+      <p:nvGrpSpPr>
+        <p:cNvPr id="1" name=""/>
+        <p:cNvGrpSpPr/>
+        <p:nvPr/>
+      </p:nvGrpSpPr>
+      <p:grpSpPr>
+        <a:xfrm>
+          <a:off x="0" y="0"/>
+          <a:ext cx="0" cy="0"/>
+          <a:chOff x="0" y="0"/>
+          <a:chExt cx="0" cy="0"/>
+        </a:xfrm>
+      </p:grpSpPr>
+      <p:sp>
+        <p:nvSpPr>
+          <p:cNvPr id="2" name="Chỗ dành sẵn cho Hình ảnh của Bản chiếu 1"/>
+          <p:cNvSpPr>
+            <a:spLocks noGrp="1" noRot="1" noChangeAspect="1"/>
+          </p:cNvSpPr>
+          <p:nvPr>
+            <p:ph type="sldImg"/>
+          </p:nvPr>
+        </p:nvSpPr>
+        <p:spPr/>
+      </p:sp>
+      <p:sp>
+        <p:nvSpPr>
+          <p:cNvPr id="3" name="Chỗ dành sẵn cho Ghi chú 2"/>
+          <p:cNvSpPr>
+            <a:spLocks noGrp="1"/>
+          </p:cNvSpPr>
+          <p:nvPr>
+            <p:ph type="body" idx="1"/>
+          </p:nvPr>
+        </p:nvSpPr>
+        <p:spPr/>
+        <p:txBody>
+          <a:bodyPr/>
+          <a:lstStyle/>
+          <a:p>
+            <a:endParaRPr lang="en-US" dirty="0"/>
+          </a:p>
+        </p:txBody>
+      </p:sp>
+      <p:sp>
+        <p:nvSpPr>
+          <p:cNvPr id="4" name="Chỗ dành sẵn cho Số hiệu Bản chiếu 3"/>
+          <p:cNvSpPr>
+            <a:spLocks noGrp="1"/>
+          </p:cNvSpPr>
+          <p:nvPr>
+            <p:ph type="sldNum" sz="quarter" idx="10"/>
+          </p:nvPr>
+        </p:nvSpPr>
+        <p:spPr/>
+        <p:txBody>
+          <a:bodyPr/>
+          <a:lstStyle/>
+          <a:p>
+            <a:fld id="{BFFFCAFC-4029-45FB-B50F-C9F952436EB4}" type="slidenum">
+              <a:rPr lang="en-US" smtClean="0"/>
+              <a:t>8</a:t>
+            </a:fld>
+            <a:endParaRPr lang="en-US"/>
+          </a:p>
+        </p:txBody>
+      </p:sp>
+    </p:spTree>
+    <p:extLst>
+      <p:ext uri="{BB962C8B-B14F-4D97-AF65-F5344CB8AC3E}">
+        <p14:creationId xmlns:p14="http://schemas.microsoft.com/office/powerpoint/2010/main" val="3737305218"/>
       </p:ext>
     </p:extLst>
   </p:cSld>
@@ -1367,7 +1848,7 @@
           <a:p>
             <a:fld id="{69D7A146-4CC5-4F54-A6DF-F0E87D3D5076}" type="datetimeFigureOut">
               <a:rPr lang="en-US" smtClean="0"/>
-              <a:t>4/22/2018</a:t>
+              <a:t>07/15/2018</a:t>
             </a:fld>
             <a:endParaRPr lang="en-US"/>
           </a:p>
@@ -1567,7 +2048,7 @@
           <a:p>
             <a:fld id="{69D7A146-4CC5-4F54-A6DF-F0E87D3D5076}" type="datetimeFigureOut">
               <a:rPr lang="en-US" smtClean="0"/>
-              <a:t>4/22/2018</a:t>
+              <a:t>07/15/2018</a:t>
             </a:fld>
             <a:endParaRPr lang="en-US"/>
           </a:p>
@@ -1777,7 +2258,7 @@
           <a:p>
             <a:fld id="{69D7A146-4CC5-4F54-A6DF-F0E87D3D5076}" type="datetimeFigureOut">
               <a:rPr lang="en-US" smtClean="0"/>
-              <a:t>4/22/2018</a:t>
+              <a:t>07/15/2018</a:t>
             </a:fld>
             <a:endParaRPr lang="en-US"/>
           </a:p>
@@ -1977,7 +2458,7 @@
           <a:p>
             <a:fld id="{69D7A146-4CC5-4F54-A6DF-F0E87D3D5076}" type="datetimeFigureOut">
               <a:rPr lang="en-US" smtClean="0"/>
-              <a:t>4/22/2018</a:t>
+              <a:t>07/15/2018</a:t>
             </a:fld>
             <a:endParaRPr lang="en-US"/>
           </a:p>
@@ -2253,7 +2734,7 @@
           <a:p>
             <a:fld id="{69D7A146-4CC5-4F54-A6DF-F0E87D3D5076}" type="datetimeFigureOut">
               <a:rPr lang="en-US" smtClean="0"/>
-              <a:t>4/22/2018</a:t>
+              <a:t>07/15/2018</a:t>
             </a:fld>
             <a:endParaRPr lang="en-US"/>
           </a:p>
@@ -2521,7 +3002,7 @@
           <a:p>
             <a:fld id="{69D7A146-4CC5-4F54-A6DF-F0E87D3D5076}" type="datetimeFigureOut">
               <a:rPr lang="en-US" smtClean="0"/>
-              <a:t>4/22/2018</a:t>
+              <a:t>07/15/2018</a:t>
             </a:fld>
             <a:endParaRPr lang="en-US"/>
           </a:p>
@@ -2936,7 +3417,7 @@
           <a:p>
             <a:fld id="{69D7A146-4CC5-4F54-A6DF-F0E87D3D5076}" type="datetimeFigureOut">
               <a:rPr lang="en-US" smtClean="0"/>
-              <a:t>4/22/2018</a:t>
+              <a:t>07/15/2018</a:t>
             </a:fld>
             <a:endParaRPr lang="en-US"/>
           </a:p>
@@ -3078,7 +3559,7 @@
           <a:p>
             <a:fld id="{69D7A146-4CC5-4F54-A6DF-F0E87D3D5076}" type="datetimeFigureOut">
               <a:rPr lang="en-US" smtClean="0"/>
-              <a:t>4/22/2018</a:t>
+              <a:t>07/15/2018</a:t>
             </a:fld>
             <a:endParaRPr lang="en-US"/>
           </a:p>
@@ -3191,7 +3672,7 @@
           <a:p>
             <a:fld id="{69D7A146-4CC5-4F54-A6DF-F0E87D3D5076}" type="datetimeFigureOut">
               <a:rPr lang="en-US" smtClean="0"/>
-              <a:t>4/22/2018</a:t>
+              <a:t>07/15/2018</a:t>
             </a:fld>
             <a:endParaRPr lang="en-US"/>
           </a:p>
@@ -3504,7 +3985,7 @@
           <a:p>
             <a:fld id="{69D7A146-4CC5-4F54-A6DF-F0E87D3D5076}" type="datetimeFigureOut">
               <a:rPr lang="en-US" smtClean="0"/>
-              <a:t>4/22/2018</a:t>
+              <a:t>07/15/2018</a:t>
             </a:fld>
             <a:endParaRPr lang="en-US"/>
           </a:p>
@@ -3793,7 +4274,7 @@
           <a:p>
             <a:fld id="{69D7A146-4CC5-4F54-A6DF-F0E87D3D5076}" type="datetimeFigureOut">
               <a:rPr lang="en-US" smtClean="0"/>
-              <a:t>4/22/2018</a:t>
+              <a:t>07/15/2018</a:t>
             </a:fld>
             <a:endParaRPr lang="en-US"/>
           </a:p>
@@ -4036,7 +4517,7 @@
           <a:p>
             <a:fld id="{69D7A146-4CC5-4F54-A6DF-F0E87D3D5076}" type="datetimeFigureOut">
               <a:rPr lang="en-US" smtClean="0"/>
-              <a:t>4/22/2018</a:t>
+              <a:t>07/15/2018</a:t>
             </a:fld>
             <a:endParaRPr lang="en-US"/>
           </a:p>
@@ -4476,12 +4957,30 @@
           </a:xfrm>
         </p:spPr>
         <p:txBody>
-          <a:bodyPr/>
+          <a:bodyPr>
+            <a:normAutofit fontScale="90000"/>
+          </a:bodyPr>
           <a:lstStyle/>
           <a:p>
             <a:r>
               <a:rPr lang="en-US" dirty="0" err="1"/>
-              <a:t>Xây</a:t>
+              <a:t>Bước</a:t>
+            </a:r>
+            <a:r>
+              <a:rPr lang="en-US" dirty="0"/>
+              <a:t> </a:t>
+            </a:r>
+            <a:r>
+              <a:rPr lang="en-US" dirty="0" err="1"/>
+              <a:t>đầu</a:t>
+            </a:r>
+            <a:r>
+              <a:rPr lang="en-US" dirty="0"/>
+              <a:t> </a:t>
+            </a:r>
+            <a:r>
+              <a:rPr lang="en-US" dirty="0" err="1"/>
+              <a:t>xây</a:t>
             </a:r>
             <a:r>
               <a:rPr lang="en-US" dirty="0"/>
@@ -4521,7 +5020,7 @@
           <p:nvPr/>
         </p:nvPicPr>
         <p:blipFill>
-          <a:blip r:embed="rId2">
+          <a:blip r:embed="rId3">
             <a:extLst>
               <a:ext uri="{28A0092B-C50C-407E-A947-70E740481C1C}">
                 <a14:useLocalDpi xmlns:a14="http://schemas.microsoft.com/office/drawing/2010/main" val="0"/>
@@ -4563,6 +5062,13 @@
   <p:clrMapOvr>
     <a:masterClrMapping/>
   </p:clrMapOvr>
+  <p:timing>
+    <p:tnLst>
+      <p:par>
+        <p:cTn id="1" dur="indefinite" restart="never" nodeType="tmRoot"/>
+      </p:par>
+    </p:tnLst>
+  </p:timing>
 </p:sld>
 </file>
 
@@ -4662,55 +5168,57 @@
         </p:nvSpPr>
         <p:spPr/>
         <p:txBody>
-          <a:bodyPr/>
+          <a:bodyPr>
+            <a:normAutofit/>
+          </a:bodyPr>
           <a:lstStyle/>
           <a:p>
             <a:r>
-              <a:rPr lang="en-US" dirty="0" err="1"/>
+              <a:rPr lang="en-US" sz="3200" dirty="0" err="1"/>
               <a:t>Xem</a:t>
             </a:r>
             <a:r>
-              <a:rPr lang="en-US" dirty="0"/>
-              <a:t> </a:t>
-            </a:r>
-            <a:r>
-              <a:rPr lang="en-US" dirty="0" err="1"/>
+              <a:rPr lang="en-US" sz="3200" dirty="0"/>
+              <a:t> </a:t>
+            </a:r>
+            <a:r>
+              <a:rPr lang="en-US" sz="3200" dirty="0" err="1"/>
               <a:t>lại</a:t>
             </a:r>
             <a:r>
-              <a:rPr lang="en-US" dirty="0"/>
-              <a:t> </a:t>
-            </a:r>
-            <a:r>
-              <a:rPr lang="en-US" dirty="0" err="1"/>
+              <a:rPr lang="en-US" sz="3200" dirty="0"/>
+              <a:t> </a:t>
+            </a:r>
+            <a:r>
+              <a:rPr lang="en-US" sz="3200" dirty="0" err="1"/>
               <a:t>các</a:t>
             </a:r>
             <a:r>
-              <a:rPr lang="en-US" dirty="0"/>
-              <a:t> </a:t>
-            </a:r>
-            <a:r>
-              <a:rPr lang="en-US" dirty="0" err="1"/>
+              <a:rPr lang="en-US" sz="3200" dirty="0"/>
+              <a:t> </a:t>
+            </a:r>
+            <a:r>
+              <a:rPr lang="en-US" sz="3200" dirty="0" err="1"/>
               <a:t>khái</a:t>
             </a:r>
             <a:r>
-              <a:rPr lang="en-US" dirty="0"/>
-              <a:t> </a:t>
-            </a:r>
-            <a:r>
-              <a:rPr lang="en-US" dirty="0" err="1"/>
+              <a:rPr lang="en-US" sz="3200" dirty="0"/>
+              <a:t> </a:t>
+            </a:r>
+            <a:r>
+              <a:rPr lang="en-US" sz="3200" dirty="0" err="1"/>
               <a:t>niệm</a:t>
             </a:r>
             <a:r>
-              <a:rPr lang="en-US" dirty="0"/>
-              <a:t> </a:t>
-            </a:r>
-            <a:r>
-              <a:rPr lang="en-US" dirty="0" err="1"/>
+              <a:rPr lang="en-US" sz="3200" dirty="0"/>
+              <a:t> </a:t>
+            </a:r>
+            <a:r>
+              <a:rPr lang="en-US" sz="3200" dirty="0" err="1"/>
               <a:t>về</a:t>
             </a:r>
             <a:r>
-              <a:rPr lang="en-US" dirty="0"/>
+              <a:rPr lang="en-US" sz="3200" dirty="0"/>
               <a:t>:</a:t>
             </a:r>
           </a:p>
@@ -4719,39 +5227,39 @@
               <a:buNone/>
             </a:pPr>
             <a:r>
-              <a:rPr lang="en-US" dirty="0"/>
+              <a:rPr lang="en-US" sz="2800" dirty="0"/>
               <a:t>- </a:t>
             </a:r>
             <a:r>
-              <a:rPr lang="en-US" dirty="0" err="1"/>
+              <a:rPr lang="en-US" sz="2800" dirty="0" err="1"/>
               <a:t>Khái</a:t>
             </a:r>
             <a:r>
-              <a:rPr lang="en-US" dirty="0"/>
-              <a:t> </a:t>
-            </a:r>
-            <a:r>
-              <a:rPr lang="en-US" dirty="0" err="1"/>
+              <a:rPr lang="en-US" sz="2800" dirty="0"/>
+              <a:t> </a:t>
+            </a:r>
+            <a:r>
+              <a:rPr lang="en-US" sz="2800" dirty="0" err="1"/>
               <a:t>niệm</a:t>
             </a:r>
             <a:r>
-              <a:rPr lang="en-US" dirty="0"/>
+              <a:rPr lang="en-US" sz="2800" dirty="0"/>
               <a:t> Intent </a:t>
             </a:r>
             <a:r>
-              <a:rPr lang="en-US" dirty="0" err="1"/>
+              <a:rPr lang="en-US" sz="2800" dirty="0" err="1"/>
               <a:t>là</a:t>
             </a:r>
             <a:r>
-              <a:rPr lang="en-US" dirty="0"/>
-              <a:t> </a:t>
-            </a:r>
-            <a:r>
-              <a:rPr lang="en-US" dirty="0" err="1"/>
+              <a:rPr lang="en-US" sz="2800" dirty="0"/>
+              <a:t> </a:t>
+            </a:r>
+            <a:r>
+              <a:rPr lang="en-US" sz="2800" dirty="0" err="1"/>
               <a:t>gì</a:t>
             </a:r>
             <a:r>
-              <a:rPr lang="en-US" dirty="0"/>
+              <a:rPr lang="en-US" sz="2800" dirty="0"/>
               <a:t>?</a:t>
             </a:r>
           </a:p>
@@ -4761,35 +5269,35 @@
               <a:buChar char="-"/>
             </a:pPr>
             <a:r>
-              <a:rPr lang="en-US" dirty="0" err="1"/>
+              <a:rPr lang="en-US" sz="2800" dirty="0" err="1"/>
               <a:t>Khái</a:t>
             </a:r>
             <a:r>
-              <a:rPr lang="en-US" dirty="0"/>
-              <a:t> </a:t>
-            </a:r>
-            <a:r>
-              <a:rPr lang="en-US" dirty="0" err="1"/>
+              <a:rPr lang="en-US" sz="2800" dirty="0"/>
+              <a:t> </a:t>
+            </a:r>
+            <a:r>
+              <a:rPr lang="en-US" sz="2800" dirty="0" err="1"/>
               <a:t>niệm</a:t>
             </a:r>
             <a:r>
-              <a:rPr lang="en-US" dirty="0"/>
+              <a:rPr lang="en-US" sz="2800" dirty="0"/>
               <a:t> Entity </a:t>
             </a:r>
             <a:r>
-              <a:rPr lang="en-US" dirty="0" err="1"/>
+              <a:rPr lang="en-US" sz="2800" dirty="0" err="1"/>
               <a:t>là</a:t>
             </a:r>
             <a:r>
-              <a:rPr lang="en-US" dirty="0"/>
-              <a:t> </a:t>
-            </a:r>
-            <a:r>
-              <a:rPr lang="en-US" dirty="0" err="1"/>
+              <a:rPr lang="en-US" sz="2800" dirty="0"/>
+              <a:t> </a:t>
+            </a:r>
+            <a:r>
+              <a:rPr lang="en-US" sz="2800" dirty="0" err="1"/>
               <a:t>gì</a:t>
             </a:r>
             <a:r>
-              <a:rPr lang="en-US" dirty="0"/>
+              <a:rPr lang="en-US" sz="2800" dirty="0"/>
               <a:t>?</a:t>
             </a:r>
           </a:p>
@@ -4799,23 +5307,23 @@
               <a:buChar char="-"/>
             </a:pPr>
             <a:r>
-              <a:rPr lang="en-US" dirty="0"/>
+              <a:rPr lang="en-US" sz="2800" dirty="0"/>
               <a:t>Intent Slots </a:t>
             </a:r>
             <a:r>
-              <a:rPr lang="en-US" dirty="0" err="1"/>
+              <a:rPr lang="en-US" sz="2800" dirty="0" err="1"/>
               <a:t>là</a:t>
             </a:r>
             <a:r>
-              <a:rPr lang="en-US" dirty="0"/>
-              <a:t> </a:t>
-            </a:r>
-            <a:r>
-              <a:rPr lang="en-US" dirty="0" err="1"/>
+              <a:rPr lang="en-US" sz="2800" dirty="0"/>
+              <a:t> </a:t>
+            </a:r>
+            <a:r>
+              <a:rPr lang="en-US" sz="2800" dirty="0" err="1"/>
               <a:t>gì</a:t>
             </a:r>
             <a:r>
-              <a:rPr lang="en-US" dirty="0"/>
+              <a:rPr lang="en-US" sz="2800" dirty="0"/>
               <a:t>? </a:t>
             </a:r>
           </a:p>
@@ -4825,23 +5333,23 @@
               <a:buChar char="-"/>
             </a:pPr>
             <a:r>
-              <a:rPr lang="en-US" dirty="0"/>
+              <a:rPr lang="en-US" sz="2800" dirty="0"/>
               <a:t>Utterances </a:t>
             </a:r>
             <a:r>
-              <a:rPr lang="en-US" dirty="0" err="1"/>
+              <a:rPr lang="en-US" sz="2800" dirty="0" err="1"/>
               <a:t>là</a:t>
             </a:r>
             <a:r>
-              <a:rPr lang="en-US" dirty="0"/>
-              <a:t> </a:t>
-            </a:r>
-            <a:r>
-              <a:rPr lang="en-US" dirty="0" err="1"/>
+              <a:rPr lang="en-US" sz="2800" dirty="0"/>
+              <a:t> </a:t>
+            </a:r>
+            <a:r>
+              <a:rPr lang="en-US" sz="2800" dirty="0" err="1"/>
               <a:t>gì</a:t>
             </a:r>
             <a:r>
-              <a:rPr lang="en-US" dirty="0"/>
+              <a:rPr lang="en-US" sz="2800" dirty="0"/>
               <a:t>?</a:t>
             </a:r>
           </a:p>
@@ -4850,126 +5358,126 @@
               <a:buFontTx/>
               <a:buChar char="-"/>
             </a:pPr>
-            <a:endParaRPr lang="en-US" dirty="0"/>
+            <a:endParaRPr lang="en-US" sz="2800" dirty="0"/>
           </a:p>
           <a:p>
             <a:pPr marL="457200" lvl="1" indent="0">
               <a:buNone/>
             </a:pPr>
             <a:r>
-              <a:rPr lang="en-US" dirty="0" err="1"/>
+              <a:rPr lang="en-US" sz="2800" dirty="0" err="1"/>
               <a:t>Để</a:t>
             </a:r>
             <a:r>
-              <a:rPr lang="en-US" dirty="0"/>
-              <a:t> </a:t>
-            </a:r>
-            <a:r>
-              <a:rPr lang="en-US" dirty="0" err="1"/>
+              <a:rPr lang="en-US" sz="2800" dirty="0"/>
+              <a:t> </a:t>
+            </a:r>
+            <a:r>
+              <a:rPr lang="en-US" sz="2800" dirty="0" err="1"/>
               <a:t>làm</a:t>
             </a:r>
             <a:r>
-              <a:rPr lang="en-US" dirty="0"/>
+              <a:rPr lang="en-US" sz="2800" dirty="0"/>
               <a:t> đ</a:t>
             </a:r>
             <a:r>
-              <a:rPr lang="vi-VN" dirty="0"/>
+              <a:rPr lang="vi-VN" sz="2800" dirty="0"/>
               <a:t>ư</a:t>
             </a:r>
             <a:r>
-              <a:rPr lang="en-US" dirty="0" err="1"/>
+              <a:rPr lang="en-US" sz="2800" dirty="0" err="1"/>
               <a:t>ợc</a:t>
             </a:r>
             <a:r>
-              <a:rPr lang="en-US" dirty="0"/>
+              <a:rPr lang="en-US" sz="2800" dirty="0"/>
               <a:t> skill </a:t>
             </a:r>
             <a:r>
-              <a:rPr lang="en-US" dirty="0" err="1"/>
+              <a:rPr lang="en-US" sz="2800" dirty="0" err="1"/>
               <a:t>cho</a:t>
             </a:r>
             <a:r>
-              <a:rPr lang="en-US" dirty="0"/>
-              <a:t> </a:t>
-            </a:r>
-            <a:r>
-              <a:rPr lang="en-US" dirty="0" err="1"/>
+              <a:rPr lang="en-US" sz="2800" dirty="0"/>
+              <a:t> </a:t>
+            </a:r>
+            <a:r>
+              <a:rPr lang="en-US" sz="2800" dirty="0" err="1"/>
               <a:t>alexa</a:t>
             </a:r>
             <a:r>
-              <a:rPr lang="en-US" dirty="0"/>
-              <a:t> </a:t>
-            </a:r>
-            <a:r>
-              <a:rPr lang="en-US" dirty="0" err="1"/>
+              <a:rPr lang="en-US" sz="2800" dirty="0"/>
+              <a:t> </a:t>
+            </a:r>
+            <a:r>
+              <a:rPr lang="en-US" sz="2800" dirty="0" err="1"/>
               <a:t>các</a:t>
             </a:r>
             <a:r>
-              <a:rPr lang="en-US" dirty="0"/>
-              <a:t> </a:t>
-            </a:r>
-            <a:r>
-              <a:rPr lang="en-US" dirty="0" err="1"/>
+              <a:rPr lang="en-US" sz="2800" dirty="0"/>
+              <a:t> </a:t>
+            </a:r>
+            <a:r>
+              <a:rPr lang="en-US" sz="2800" dirty="0" err="1"/>
               <a:t>bạn</a:t>
             </a:r>
             <a:r>
-              <a:rPr lang="en-US" dirty="0"/>
-              <a:t> </a:t>
-            </a:r>
-            <a:r>
-              <a:rPr lang="en-US" dirty="0" err="1"/>
+              <a:rPr lang="en-US" sz="2800" dirty="0"/>
+              <a:t> </a:t>
+            </a:r>
+            <a:r>
+              <a:rPr lang="en-US" sz="2800" dirty="0" err="1"/>
               <a:t>cần</a:t>
             </a:r>
             <a:r>
-              <a:rPr lang="en-US" dirty="0"/>
-              <a:t> </a:t>
-            </a:r>
-            <a:r>
-              <a:rPr lang="en-US" dirty="0" err="1"/>
+              <a:rPr lang="en-US" sz="2800" dirty="0"/>
+              <a:t> </a:t>
+            </a:r>
+            <a:r>
+              <a:rPr lang="en-US" sz="2800" dirty="0" err="1"/>
               <a:t>nắm</a:t>
             </a:r>
             <a:r>
-              <a:rPr lang="en-US" dirty="0"/>
-              <a:t> </a:t>
-            </a:r>
-            <a:r>
-              <a:rPr lang="en-US" dirty="0" err="1"/>
+              <a:rPr lang="en-US" sz="2800" dirty="0"/>
+              <a:t> </a:t>
+            </a:r>
+            <a:r>
+              <a:rPr lang="en-US" sz="2800" dirty="0" err="1"/>
               <a:t>rõ</a:t>
             </a:r>
             <a:r>
-              <a:rPr lang="en-US" dirty="0"/>
-              <a:t> </a:t>
-            </a:r>
-            <a:r>
-              <a:rPr lang="en-US" dirty="0" err="1"/>
+              <a:rPr lang="en-US" sz="2800" dirty="0"/>
+              <a:t> </a:t>
+            </a:r>
+            <a:r>
+              <a:rPr lang="en-US" sz="2800" dirty="0" err="1"/>
               <a:t>những</a:t>
             </a:r>
             <a:r>
-              <a:rPr lang="en-US" dirty="0"/>
-              <a:t> </a:t>
-            </a:r>
-            <a:r>
-              <a:rPr lang="en-US" dirty="0" err="1"/>
+              <a:rPr lang="en-US" sz="2800" dirty="0"/>
+              <a:t> </a:t>
+            </a:r>
+            <a:r>
+              <a:rPr lang="en-US" sz="2800" dirty="0" err="1"/>
               <a:t>khái</a:t>
             </a:r>
             <a:r>
-              <a:rPr lang="en-US" dirty="0"/>
-              <a:t> </a:t>
-            </a:r>
-            <a:r>
-              <a:rPr lang="en-US" dirty="0" err="1"/>
+              <a:rPr lang="en-US" sz="2800" dirty="0"/>
+              <a:t> </a:t>
+            </a:r>
+            <a:r>
+              <a:rPr lang="en-US" sz="2800" dirty="0" err="1"/>
               <a:t>niệm</a:t>
             </a:r>
             <a:r>
-              <a:rPr lang="en-US" dirty="0"/>
-              <a:t> </a:t>
-            </a:r>
-            <a:r>
-              <a:rPr lang="en-US" dirty="0" err="1"/>
+              <a:rPr lang="en-US" sz="2800" dirty="0"/>
+              <a:t> </a:t>
+            </a:r>
+            <a:r>
+              <a:rPr lang="en-US" sz="2800" dirty="0" err="1"/>
               <a:t>này</a:t>
             </a:r>
             <a:r>
-              <a:rPr lang="en-US" dirty="0"/>
+              <a:rPr lang="en-US" sz="2800" dirty="0"/>
               <a:t>.</a:t>
             </a:r>
           </a:p>
@@ -4985,11 +5493,742 @@
   <p:clrMapOvr>
     <a:masterClrMapping/>
   </p:clrMapOvr>
+  <p:timing>
+    <p:tnLst>
+      <p:par>
+        <p:cTn id="1" dur="indefinite" restart="never" nodeType="tmRoot"/>
+      </p:par>
+    </p:tnLst>
+  </p:timing>
 </p:sld>
 </file>
 
 <file path=ppt/slides/slide3.xml><?xml version="1.0" encoding="utf-8"?>
 <p:sld xmlns:a="http://schemas.openxmlformats.org/drawingml/2006/main" xmlns:r="http://schemas.openxmlformats.org/officeDocument/2006/relationships" xmlns:p="http://schemas.openxmlformats.org/presentationml/2006/main">
+  <p:cSld>
+    <p:spTree>
+      <p:nvGrpSpPr>
+        <p:cNvPr id="1" name=""/>
+        <p:cNvGrpSpPr/>
+        <p:nvPr/>
+      </p:nvGrpSpPr>
+      <p:grpSpPr>
+        <a:xfrm>
+          <a:off x="0" y="0"/>
+          <a:ext cx="0" cy="0"/>
+          <a:chOff x="0" y="0"/>
+          <a:chExt cx="0" cy="0"/>
+        </a:xfrm>
+      </p:grpSpPr>
+      <p:pic>
+        <p:nvPicPr>
+          <p:cNvPr id="6" name="Hình ảnh 5">
+            <a:extLst>
+              <a:ext uri="{FF2B5EF4-FFF2-40B4-BE49-F238E27FC236}">
+                <a16:creationId xmlns:a16="http://schemas.microsoft.com/office/drawing/2014/main" id="{2150C0F4-0C32-42DC-BCFD-30ADD864AF81}"/>
+              </a:ext>
+            </a:extLst>
+          </p:cNvPr>
+          <p:cNvPicPr>
+            <a:picLocks noChangeAspect="1"/>
+          </p:cNvPicPr>
+          <p:nvPr/>
+        </p:nvPicPr>
+        <p:blipFill>
+          <a:blip r:embed="rId3">
+            <a:extLst>
+              <a:ext uri="{28A0092B-C50C-407E-A947-70E740481C1C}">
+                <a14:useLocalDpi xmlns:a14="http://schemas.microsoft.com/office/drawing/2010/main" val="0"/>
+              </a:ext>
+            </a:extLst>
+          </a:blip>
+          <a:stretch>
+            <a:fillRect/>
+          </a:stretch>
+        </p:blipFill>
+        <p:spPr>
+          <a:xfrm>
+            <a:off x="0" y="2641"/>
+            <a:ext cx="12192000" cy="6852718"/>
+          </a:xfrm>
+          <a:prstGeom prst="rect">
+            <a:avLst/>
+          </a:prstGeom>
+        </p:spPr>
+      </p:pic>
+    </p:spTree>
+    <p:extLst>
+      <p:ext uri="{BB962C8B-B14F-4D97-AF65-F5344CB8AC3E}">
+        <p14:creationId xmlns:p14="http://schemas.microsoft.com/office/powerpoint/2010/main" val="3905196140"/>
+      </p:ext>
+    </p:extLst>
+  </p:cSld>
+  <p:clrMapOvr>
+    <a:masterClrMapping/>
+  </p:clrMapOvr>
+  <p:timing>
+    <p:tnLst>
+      <p:par>
+        <p:cTn id="1" dur="indefinite" restart="never" nodeType="tmRoot"/>
+      </p:par>
+    </p:tnLst>
+  </p:timing>
+</p:sld>
+</file>
+
+<file path=ppt/slides/slide4.xml><?xml version="1.0" encoding="utf-8"?>
+<p:sld xmlns:a="http://schemas.openxmlformats.org/drawingml/2006/main" xmlns:r="http://schemas.openxmlformats.org/officeDocument/2006/relationships" xmlns:p="http://schemas.openxmlformats.org/presentationml/2006/main">
+  <p:cSld>
+    <p:spTree>
+      <p:nvGrpSpPr>
+        <p:cNvPr id="1" name=""/>
+        <p:cNvGrpSpPr/>
+        <p:nvPr/>
+      </p:nvGrpSpPr>
+      <p:grpSpPr>
+        <a:xfrm>
+          <a:off x="0" y="0"/>
+          <a:ext cx="0" cy="0"/>
+          <a:chOff x="0" y="0"/>
+          <a:chExt cx="0" cy="0"/>
+        </a:xfrm>
+      </p:grpSpPr>
+      <p:sp>
+        <p:nvSpPr>
+          <p:cNvPr id="2" name="Tiêu đề 1">
+            <a:extLst>
+              <a:ext uri="{FF2B5EF4-FFF2-40B4-BE49-F238E27FC236}">
+                <a16:creationId xmlns:a16="http://schemas.microsoft.com/office/drawing/2014/main" id="{EF3A2906-3154-4948-8E27-CBB7B7E99AA8}"/>
+              </a:ext>
+            </a:extLst>
+          </p:cNvPr>
+          <p:cNvSpPr>
+            <a:spLocks noGrp="1"/>
+          </p:cNvSpPr>
+          <p:nvPr>
+            <p:ph type="title"/>
+          </p:nvPr>
+        </p:nvSpPr>
+        <p:spPr/>
+        <p:txBody>
+          <a:bodyPr>
+            <a:normAutofit/>
+          </a:bodyPr>
+          <a:lstStyle/>
+          <a:p>
+            <a:r>
+              <a:rPr lang="en-US" dirty="0" err="1"/>
+              <a:t>Tất</a:t>
+            </a:r>
+            <a:r>
+              <a:rPr lang="en-US" dirty="0"/>
+              <a:t> </a:t>
+            </a:r>
+            <a:r>
+              <a:rPr lang="en-US" dirty="0" err="1"/>
+              <a:t>cả</a:t>
+            </a:r>
+            <a:r>
+              <a:rPr lang="en-US" dirty="0"/>
+              <a:t> </a:t>
+            </a:r>
+            <a:r>
+              <a:rPr lang="en-US" dirty="0" err="1"/>
+              <a:t>các</a:t>
+            </a:r>
+            <a:r>
+              <a:rPr lang="en-US" dirty="0"/>
+              <a:t> Skills </a:t>
+            </a:r>
+            <a:r>
+              <a:rPr lang="en-US" dirty="0" err="1"/>
+              <a:t>giống</a:t>
+            </a:r>
+            <a:r>
+              <a:rPr lang="en-US" dirty="0"/>
+              <a:t> </a:t>
+            </a:r>
+            <a:r>
+              <a:rPr lang="en-US" dirty="0" err="1"/>
+              <a:t>nh</a:t>
+            </a:r>
+            <a:r>
+              <a:rPr lang="vi-VN" dirty="0"/>
+              <a:t>ư</a:t>
+            </a:r>
+            <a:r>
+              <a:rPr lang="en-US" dirty="0"/>
+              <a:t> </a:t>
+            </a:r>
+            <a:r>
+              <a:rPr lang="en-US" dirty="0" err="1"/>
+              <a:t>ứng</a:t>
+            </a:r>
+            <a:r>
+              <a:rPr lang="en-US" dirty="0"/>
+              <a:t> </a:t>
+            </a:r>
+            <a:r>
+              <a:rPr lang="en-US" dirty="0" err="1"/>
+              <a:t>dụng</a:t>
+            </a:r>
+            <a:r>
+              <a:rPr lang="en-US" dirty="0"/>
+              <a:t> web hay </a:t>
+            </a:r>
+            <a:r>
+              <a:rPr lang="en-US" dirty="0" err="1"/>
+              <a:t>ứng</a:t>
+            </a:r>
+            <a:r>
+              <a:rPr lang="en-US" dirty="0"/>
+              <a:t> </a:t>
+            </a:r>
+            <a:r>
+              <a:rPr lang="en-US" dirty="0" err="1"/>
+              <a:t>dụng</a:t>
+            </a:r>
+            <a:r>
+              <a:rPr lang="en-US" dirty="0"/>
+              <a:t> di </a:t>
+            </a:r>
+            <a:r>
+              <a:rPr lang="en-US" dirty="0" err="1"/>
+              <a:t>động</a:t>
+            </a:r>
+            <a:r>
+              <a:rPr lang="en-US" dirty="0"/>
+              <a:t>, </a:t>
+            </a:r>
+            <a:r>
+              <a:rPr lang="en-US" dirty="0" err="1"/>
+              <a:t>gồm</a:t>
+            </a:r>
+            <a:r>
+              <a:rPr lang="en-US" dirty="0"/>
+              <a:t> 2 </a:t>
+            </a:r>
+            <a:r>
+              <a:rPr lang="en-US" dirty="0" err="1"/>
+              <a:t>phần</a:t>
+            </a:r>
+            <a:r>
+              <a:rPr lang="en-US" dirty="0"/>
+              <a:t>:</a:t>
+            </a:r>
+          </a:p>
+        </p:txBody>
+      </p:sp>
+      <p:sp>
+        <p:nvSpPr>
+          <p:cNvPr id="3" name="Chỗ dành sẵn cho Nội dung 2">
+            <a:extLst>
+              <a:ext uri="{FF2B5EF4-FFF2-40B4-BE49-F238E27FC236}">
+                <a16:creationId xmlns:a16="http://schemas.microsoft.com/office/drawing/2014/main" id="{F04D9709-1EE1-48DE-ADB3-4242AAB17598}"/>
+              </a:ext>
+            </a:extLst>
+          </p:cNvPr>
+          <p:cNvSpPr>
+            <a:spLocks noGrp="1"/>
+          </p:cNvSpPr>
+          <p:nvPr>
+            <p:ph idx="1"/>
+          </p:nvPr>
+        </p:nvSpPr>
+        <p:spPr/>
+        <p:txBody>
+          <a:bodyPr/>
+          <a:lstStyle/>
+          <a:p>
+            <a:pPr>
+              <a:buFontTx/>
+              <a:buChar char="-"/>
+            </a:pPr>
+            <a:r>
+              <a:rPr lang="en-US" b="1" dirty="0"/>
+              <a:t>Interaction Model (frontend) </a:t>
+            </a:r>
+            <a:r>
+              <a:rPr lang="en-US" dirty="0"/>
+              <a:t>— </a:t>
+            </a:r>
+            <a:r>
+              <a:rPr lang="en-US" dirty="0" err="1"/>
+              <a:t>Khá</a:t>
+            </a:r>
+            <a:r>
+              <a:rPr lang="en-US" dirty="0"/>
+              <a:t> </a:t>
+            </a:r>
+            <a:r>
+              <a:rPr lang="en-US" dirty="0" err="1"/>
+              <a:t>giống</a:t>
+            </a:r>
+            <a:r>
+              <a:rPr lang="en-US" dirty="0"/>
+              <a:t> graphical user interface </a:t>
+            </a:r>
+            <a:r>
+              <a:rPr lang="en-US" dirty="0" err="1"/>
+              <a:t>của</a:t>
+            </a:r>
+            <a:r>
+              <a:rPr lang="en-US" dirty="0"/>
+              <a:t> </a:t>
+            </a:r>
+            <a:r>
+              <a:rPr lang="en-US" dirty="0" err="1"/>
+              <a:t>ứng</a:t>
+            </a:r>
+            <a:r>
+              <a:rPr lang="en-US" dirty="0"/>
+              <a:t> </a:t>
+            </a:r>
+            <a:r>
+              <a:rPr lang="en-US" dirty="0" err="1"/>
+              <a:t>dụng</a:t>
+            </a:r>
+            <a:r>
+              <a:rPr lang="en-US" dirty="0"/>
+              <a:t> di </a:t>
+            </a:r>
+            <a:r>
+              <a:rPr lang="en-US" dirty="0" err="1"/>
+              <a:t>dộng</a:t>
+            </a:r>
+            <a:r>
+              <a:rPr lang="en-US" dirty="0"/>
+              <a:t>, Alexa skills </a:t>
+            </a:r>
+            <a:r>
+              <a:rPr lang="en-US" dirty="0" err="1"/>
+              <a:t>cần</a:t>
+            </a:r>
+            <a:r>
+              <a:rPr lang="en-US" dirty="0"/>
+              <a:t> Voice User Interface (VUI). </a:t>
+            </a:r>
+            <a:r>
+              <a:rPr lang="en-US" dirty="0" err="1"/>
+              <a:t>Chúng</a:t>
+            </a:r>
+            <a:r>
+              <a:rPr lang="en-US" dirty="0"/>
+              <a:t> ta </a:t>
+            </a:r>
+            <a:r>
+              <a:rPr lang="en-US" dirty="0" err="1"/>
+              <a:t>xem</a:t>
+            </a:r>
+            <a:r>
+              <a:rPr lang="en-US" dirty="0"/>
+              <a:t> VUI </a:t>
+            </a:r>
+            <a:r>
+              <a:rPr lang="en-US" dirty="0" err="1"/>
+              <a:t>như</a:t>
+            </a:r>
+            <a:r>
+              <a:rPr lang="en-US" dirty="0"/>
+              <a:t> </a:t>
+            </a:r>
+            <a:r>
+              <a:rPr lang="en-US" dirty="0" err="1"/>
+              <a:t>một</a:t>
+            </a:r>
+            <a:r>
+              <a:rPr lang="en-US" dirty="0"/>
+              <a:t> </a:t>
+            </a:r>
+            <a:r>
+              <a:rPr lang="en-US" dirty="0" err="1"/>
+              <a:t>mô</a:t>
+            </a:r>
+            <a:r>
+              <a:rPr lang="en-US" dirty="0"/>
+              <a:t> </a:t>
+            </a:r>
+            <a:r>
+              <a:rPr lang="en-US" dirty="0" err="1"/>
+              <a:t>hình</a:t>
+            </a:r>
+            <a:r>
+              <a:rPr lang="en-US" dirty="0"/>
+              <a:t> t</a:t>
+            </a:r>
+            <a:r>
+              <a:rPr lang="vi-VN" dirty="0"/>
+              <a:t>ư</a:t>
+            </a:r>
+            <a:r>
+              <a:rPr lang="en-US" dirty="0" err="1" smtClean="0"/>
+              <a:t>ơng</a:t>
+            </a:r>
+            <a:r>
+              <a:rPr lang="en-US" dirty="0" smtClean="0"/>
+              <a:t> </a:t>
+            </a:r>
+            <a:r>
+              <a:rPr lang="en-US" dirty="0" err="1" smtClean="0"/>
+              <a:t>tác</a:t>
+            </a:r>
+            <a:r>
+              <a:rPr lang="en-US" dirty="0" smtClean="0"/>
+              <a:t> </a:t>
+            </a:r>
+            <a:r>
+              <a:rPr lang="en-US" dirty="0" err="1" smtClean="0"/>
+              <a:t>với</a:t>
+            </a:r>
+            <a:r>
+              <a:rPr lang="en-US" dirty="0" smtClean="0"/>
+              <a:t> </a:t>
+            </a:r>
+            <a:r>
+              <a:rPr lang="en-US" dirty="0" err="1" smtClean="0"/>
+              <a:t>người</a:t>
+            </a:r>
+            <a:r>
+              <a:rPr lang="en-US" dirty="0" smtClean="0"/>
+              <a:t> </a:t>
+            </a:r>
+            <a:r>
+              <a:rPr lang="en-US" dirty="0" err="1" smtClean="0"/>
+              <a:t>dùng</a:t>
+            </a:r>
+            <a:r>
+              <a:rPr lang="en-US" dirty="0" smtClean="0"/>
+              <a:t> </a:t>
+            </a:r>
+            <a:r>
+              <a:rPr lang="en-US" dirty="0"/>
+              <a:t>— </a:t>
+            </a:r>
+            <a:r>
+              <a:rPr lang="en-US" dirty="0" err="1"/>
+              <a:t>Nó</a:t>
+            </a:r>
+            <a:r>
+              <a:rPr lang="en-US" dirty="0"/>
+              <a:t> </a:t>
+            </a:r>
+            <a:r>
+              <a:rPr lang="en-US" dirty="0" err="1"/>
+              <a:t>định</a:t>
+            </a:r>
+            <a:r>
+              <a:rPr lang="en-US" dirty="0"/>
+              <a:t> </a:t>
+            </a:r>
+            <a:r>
+              <a:rPr lang="en-US" dirty="0" err="1"/>
+              <a:t>nghĩa</a:t>
+            </a:r>
+            <a:r>
+              <a:rPr lang="en-US" dirty="0"/>
+              <a:t> </a:t>
+            </a:r>
+            <a:r>
+              <a:rPr lang="en-US" dirty="0" err="1"/>
+              <a:t>những</a:t>
+            </a:r>
+            <a:r>
+              <a:rPr lang="en-US" dirty="0"/>
+              <a:t> </a:t>
+            </a:r>
+            <a:r>
+              <a:rPr lang="en-US" dirty="0" err="1"/>
+              <a:t>chức</a:t>
+            </a:r>
+            <a:r>
+              <a:rPr lang="en-US" dirty="0"/>
+              <a:t> </a:t>
+            </a:r>
+            <a:r>
+              <a:rPr lang="en-US" dirty="0" err="1"/>
+              <a:t>năng</a:t>
+            </a:r>
+            <a:r>
+              <a:rPr lang="en-US" dirty="0"/>
+              <a:t> </a:t>
+            </a:r>
+            <a:r>
+              <a:rPr lang="en-US" dirty="0" err="1"/>
+              <a:t>và</a:t>
+            </a:r>
+            <a:r>
+              <a:rPr lang="en-US" dirty="0"/>
+              <a:t> </a:t>
+            </a:r>
+            <a:r>
+              <a:rPr lang="en-US" dirty="0" err="1"/>
+              <a:t>hành</a:t>
+            </a:r>
+            <a:r>
+              <a:rPr lang="en-US" dirty="0"/>
+              <a:t> vi </a:t>
+            </a:r>
+            <a:r>
+              <a:rPr lang="en-US" dirty="0" err="1"/>
+              <a:t>từ</a:t>
+            </a:r>
+            <a:r>
+              <a:rPr lang="en-US" dirty="0"/>
+              <a:t> </a:t>
+            </a:r>
+            <a:r>
+              <a:rPr lang="en-US" dirty="0" err="1"/>
+              <a:t>phía</a:t>
+            </a:r>
+            <a:r>
+              <a:rPr lang="en-US" dirty="0"/>
+              <a:t> </a:t>
+            </a:r>
+            <a:r>
+              <a:rPr lang="en-US" dirty="0" err="1" smtClean="0"/>
+              <a:t>người</a:t>
+            </a:r>
+            <a:r>
+              <a:rPr lang="en-US" dirty="0" smtClean="0"/>
+              <a:t> </a:t>
+            </a:r>
+            <a:r>
+              <a:rPr lang="en-US" dirty="0" err="1"/>
+              <a:t>dùng</a:t>
+            </a:r>
+            <a:r>
+              <a:rPr lang="en-US" dirty="0"/>
+              <a:t> </a:t>
+            </a:r>
+            <a:r>
+              <a:rPr lang="en-US" dirty="0" err="1"/>
+              <a:t>mà</a:t>
+            </a:r>
+            <a:r>
+              <a:rPr lang="en-US" dirty="0"/>
+              <a:t> Skill </a:t>
+            </a:r>
+            <a:r>
+              <a:rPr lang="en-US" dirty="0" err="1"/>
+              <a:t>có</a:t>
+            </a:r>
+            <a:r>
+              <a:rPr lang="en-US" dirty="0"/>
+              <a:t> </a:t>
+            </a:r>
+            <a:r>
+              <a:rPr lang="en-US" dirty="0" err="1"/>
+              <a:t>thể</a:t>
+            </a:r>
+            <a:r>
+              <a:rPr lang="en-US" dirty="0"/>
+              <a:t> </a:t>
+            </a:r>
+            <a:r>
+              <a:rPr lang="en-US" dirty="0" err="1"/>
+              <a:t>xử</a:t>
+            </a:r>
+            <a:r>
+              <a:rPr lang="en-US" dirty="0"/>
+              <a:t> </a:t>
+            </a:r>
+            <a:r>
+              <a:rPr lang="en-US" dirty="0" err="1"/>
+              <a:t>lý</a:t>
+            </a:r>
+            <a:r>
+              <a:rPr lang="en-US" dirty="0"/>
+              <a:t> đ</a:t>
+            </a:r>
+            <a:r>
+              <a:rPr lang="vi-VN" dirty="0"/>
+              <a:t>ư</a:t>
+            </a:r>
+            <a:r>
+              <a:rPr lang="en-US" dirty="0" err="1"/>
+              <a:t>ợc</a:t>
+            </a:r>
+            <a:r>
+              <a:rPr lang="en-US" dirty="0"/>
+              <a:t>.</a:t>
+            </a:r>
+          </a:p>
+          <a:p>
+            <a:pPr>
+              <a:buFontTx/>
+              <a:buChar char="-"/>
+            </a:pPr>
+            <a:endParaRPr lang="en-US" dirty="0"/>
+          </a:p>
+          <a:p>
+            <a:pPr>
+              <a:buFontTx/>
+              <a:buChar char="-"/>
+            </a:pPr>
+            <a:r>
+              <a:rPr lang="en-US" b="1" dirty="0"/>
+              <a:t>Hosted Service (backend) </a:t>
+            </a:r>
+            <a:r>
+              <a:rPr lang="en-US" dirty="0"/>
+              <a:t>— </a:t>
+            </a:r>
+            <a:r>
+              <a:rPr lang="en-US" dirty="0" err="1"/>
+              <a:t>Các</a:t>
+            </a:r>
+            <a:r>
+              <a:rPr lang="en-US" dirty="0"/>
+              <a:t> functions Logic đ</a:t>
+            </a:r>
+            <a:r>
+              <a:rPr lang="vi-VN" dirty="0"/>
+              <a:t>ư</a:t>
+            </a:r>
+            <a:r>
+              <a:rPr lang="en-US" dirty="0" err="1"/>
+              <a:t>ợc</a:t>
+            </a:r>
+            <a:r>
+              <a:rPr lang="en-US" dirty="0"/>
+              <a:t> </a:t>
+            </a:r>
+            <a:r>
+              <a:rPr lang="en-US" dirty="0" err="1"/>
+              <a:t>lập</a:t>
+            </a:r>
+            <a:r>
+              <a:rPr lang="en-US" dirty="0"/>
+              <a:t> </a:t>
+            </a:r>
+            <a:r>
+              <a:rPr lang="en-US" dirty="0" err="1"/>
+              <a:t>trình</a:t>
+            </a:r>
+            <a:r>
+              <a:rPr lang="en-US" dirty="0"/>
+              <a:t>,  </a:t>
+            </a:r>
+            <a:r>
+              <a:rPr lang="en-US" dirty="0" err="1"/>
+              <a:t>phản</a:t>
+            </a:r>
+            <a:r>
+              <a:rPr lang="en-US" dirty="0"/>
+              <a:t> </a:t>
+            </a:r>
+            <a:r>
+              <a:rPr lang="en-US" dirty="0" err="1"/>
+              <a:t>hồi</a:t>
+            </a:r>
+            <a:r>
+              <a:rPr lang="en-US" dirty="0"/>
+              <a:t> </a:t>
+            </a:r>
+            <a:r>
+              <a:rPr lang="en-US" dirty="0" err="1"/>
+              <a:t>các</a:t>
+            </a:r>
+            <a:r>
+              <a:rPr lang="en-US" dirty="0"/>
+              <a:t> </a:t>
+            </a:r>
+            <a:r>
+              <a:rPr lang="en-US" dirty="0" err="1"/>
+              <a:t>yêu</a:t>
+            </a:r>
+            <a:r>
+              <a:rPr lang="en-US" dirty="0"/>
+              <a:t> </a:t>
+            </a:r>
+            <a:r>
+              <a:rPr lang="en-US" dirty="0" err="1"/>
+              <a:t>cầu</a:t>
+            </a:r>
+            <a:r>
+              <a:rPr lang="en-US" dirty="0"/>
+              <a:t> </a:t>
+            </a:r>
+            <a:r>
+              <a:rPr lang="en-US" dirty="0" err="1"/>
+              <a:t>từ</a:t>
+            </a:r>
+            <a:r>
+              <a:rPr lang="en-US" dirty="0"/>
+              <a:t> </a:t>
+            </a:r>
+            <a:r>
+              <a:rPr lang="en-US" dirty="0" err="1"/>
+              <a:t>phía</a:t>
+            </a:r>
+            <a:r>
+              <a:rPr lang="en-US" dirty="0"/>
+              <a:t> ng</a:t>
+            </a:r>
+            <a:r>
+              <a:rPr lang="vi-VN" dirty="0"/>
+              <a:t>ư</a:t>
+            </a:r>
+            <a:r>
+              <a:rPr lang="en-US" dirty="0" err="1"/>
+              <a:t>ời</a:t>
+            </a:r>
+            <a:r>
+              <a:rPr lang="en-US" dirty="0"/>
+              <a:t>. </a:t>
+            </a:r>
+            <a:r>
+              <a:rPr lang="en-US" dirty="0" err="1"/>
+              <a:t>Một</a:t>
+            </a:r>
+            <a:r>
+              <a:rPr lang="en-US" dirty="0"/>
+              <a:t> </a:t>
+            </a:r>
+            <a:r>
+              <a:rPr lang="en-US" dirty="0" err="1"/>
+              <a:t>dạng</a:t>
+            </a:r>
+            <a:r>
+              <a:rPr lang="en-US" dirty="0"/>
+              <a:t> REST </a:t>
+            </a:r>
+            <a:r>
+              <a:rPr lang="en-US" dirty="0" err="1"/>
+              <a:t>api</a:t>
+            </a:r>
+            <a:r>
+              <a:rPr lang="en-US" dirty="0"/>
+              <a:t>.</a:t>
+            </a:r>
+          </a:p>
+          <a:p>
+            <a:endParaRPr lang="en-US" dirty="0"/>
+          </a:p>
+        </p:txBody>
+      </p:sp>
+    </p:spTree>
+    <p:extLst>
+      <p:ext uri="{BB962C8B-B14F-4D97-AF65-F5344CB8AC3E}">
+        <p14:creationId xmlns:p14="http://schemas.microsoft.com/office/powerpoint/2010/main" val="3222643629"/>
+      </p:ext>
+    </p:extLst>
+  </p:cSld>
+  <p:clrMapOvr>
+    <a:masterClrMapping/>
+  </p:clrMapOvr>
+  <p:timing>
+    <p:tnLst>
+      <p:par>
+        <p:cTn id="1" dur="indefinite" restart="never" nodeType="tmRoot"/>
+      </p:par>
+    </p:tnLst>
+  </p:timing>
+</p:sld>
+</file>
+
+<file path=ppt/slides/slide5.xml><?xml version="1.0" encoding="utf-8"?>
+<p:sld xmlns:a="http://schemas.openxmlformats.org/drawingml/2006/main" xmlns:r="http://schemas.openxmlformats.org/officeDocument/2006/relationships" xmlns:p="http://schemas.openxmlformats.org/presentationml/2006/main" show="0">
   <p:cSld>
     <p:spTree>
       <p:nvGrpSpPr>
@@ -5497,11 +6736,26 @@
   <p:clrMapOvr>
     <a:masterClrMapping/>
   </p:clrMapOvr>
+  <mc:AlternateContent xmlns:mc="http://schemas.openxmlformats.org/markup-compatibility/2006">
+    <mc:Choice xmlns:p14="http://schemas.microsoft.com/office/powerpoint/2010/main" Requires="p14">
+      <p:transition spd="slow" p14:dur="2000"/>
+    </mc:Choice>
+    <mc:Fallback>
+      <p:transition spd="slow"/>
+    </mc:Fallback>
+  </mc:AlternateContent>
+  <p:timing>
+    <p:tnLst>
+      <p:par>
+        <p:cTn id="1" dur="indefinite" restart="never" nodeType="tmRoot"/>
+      </p:par>
+    </p:tnLst>
+  </p:timing>
 </p:sld>
 </file>
 
-<file path=ppt/slides/slide4.xml><?xml version="1.0" encoding="utf-8"?>
-<p:sld xmlns:a="http://schemas.openxmlformats.org/drawingml/2006/main" xmlns:r="http://schemas.openxmlformats.org/officeDocument/2006/relationships" xmlns:p="http://schemas.openxmlformats.org/presentationml/2006/main">
+<file path=ppt/slides/slide6.xml><?xml version="1.0" encoding="utf-8"?>
+<p:sld xmlns:a="http://schemas.openxmlformats.org/drawingml/2006/main" xmlns:r="http://schemas.openxmlformats.org/officeDocument/2006/relationships" xmlns:p="http://schemas.openxmlformats.org/presentationml/2006/main" show="0">
   <p:cSld>
     <p:spTree>
       <p:nvGrpSpPr>
@@ -5784,10 +7038,25 @@
   <p:clrMapOvr>
     <a:masterClrMapping/>
   </p:clrMapOvr>
+  <mc:AlternateContent xmlns:mc="http://schemas.openxmlformats.org/markup-compatibility/2006">
+    <mc:Choice xmlns:p14="http://schemas.microsoft.com/office/powerpoint/2010/main" Requires="p14">
+      <p:transition spd="slow" p14:dur="2000"/>
+    </mc:Choice>
+    <mc:Fallback>
+      <p:transition spd="slow"/>
+    </mc:Fallback>
+  </mc:AlternateContent>
+  <p:timing>
+    <p:tnLst>
+      <p:par>
+        <p:cTn id="1" dur="indefinite" restart="never" nodeType="tmRoot"/>
+      </p:par>
+    </p:tnLst>
+  </p:timing>
 </p:sld>
 </file>
 
-<file path=ppt/slides/slide5.xml><?xml version="1.0" encoding="utf-8"?>
+<file path=ppt/slides/slide7.xml><?xml version="1.0" encoding="utf-8"?>
 <p:sld xmlns:a="http://schemas.openxmlformats.org/drawingml/2006/main" xmlns:r="http://schemas.openxmlformats.org/officeDocument/2006/relationships" xmlns:p="http://schemas.openxmlformats.org/presentationml/2006/main">
   <p:cSld>
     <p:spTree>
@@ -5965,10 +7234,17 @@
   <p:clrMapOvr>
     <a:masterClrMapping/>
   </p:clrMapOvr>
+  <p:timing>
+    <p:tnLst>
+      <p:par>
+        <p:cTn id="1" dur="indefinite" restart="never" nodeType="tmRoot"/>
+      </p:par>
+    </p:tnLst>
+  </p:timing>
 </p:sld>
 </file>
 
-<file path=ppt/slides/slide6.xml><?xml version="1.0" encoding="utf-8"?>
+<file path=ppt/slides/slide8.xml><?xml version="1.0" encoding="utf-8"?>
 <p:sld xmlns:a="http://schemas.openxmlformats.org/drawingml/2006/main" xmlns:r="http://schemas.openxmlformats.org/officeDocument/2006/relationships" xmlns:p="http://schemas.openxmlformats.org/presentationml/2006/main">
   <p:cSld>
     <p:spTree>
@@ -6050,7 +7326,7 @@
           <p:nvPr/>
         </p:nvPicPr>
         <p:blipFill>
-          <a:blip r:embed="rId2"/>
+          <a:blip r:embed="rId3"/>
           <a:stretch>
             <a:fillRect/>
           </a:stretch>
@@ -6075,6 +7351,13 @@
   <p:clrMapOvr>
     <a:masterClrMapping/>
   </p:clrMapOvr>
+  <p:timing>
+    <p:tnLst>
+      <p:par>
+        <p:cTn id="1" dur="indefinite" restart="never" nodeType="tmRoot"/>
+      </p:par>
+    </p:tnLst>
+  </p:timing>
 </p:sld>
 </file>
 
